--- a/pptx_res/Цикл обработки событий_ Шаги.pptx
+++ b/pptx_res/Цикл обработки событий_ Шаги.pptx
@@ -2,7 +2,7 @@
 <file path=ppt/presentation.xml><?xml version="1.0" encoding="utf-8"?>
 <p:presentation xmlns:a="http://schemas.openxmlformats.org/drawingml/2006/main" xmlns:r="http://schemas.openxmlformats.org/officeDocument/2006/relationships" xmlns:p="http://schemas.openxmlformats.org/presentationml/2006/main" showSpecialPlsOnTitleSld="0" saveSubsetFonts="1">
   <p:sldMasterIdLst>
-    <p:sldMasterId id="2147483660" r:id="rId1"/>
+    <p:sldMasterId id="2147483673" r:id="rId1"/>
   </p:sldMasterIdLst>
   <p:notesMasterIdLst>
     <p:notesMasterId r:id="rId23"/>
@@ -217,7 +217,7 @@
           <a:p>
             <a:fld id="{D238510D-E1CB-4225-95DF-1184ACBA9ED0}" type="datetimeFigureOut">
               <a:rPr lang="ru-RU" smtClean="0"/>
-              <a:t>07.06.2017</a:t>
+              <a:t>21.07.2017</a:t>
             </a:fld>
             <a:endParaRPr lang="ru-RU"/>
           </a:p>
@@ -502,30 +502,6 @@
           <a:chExt cx="0" cy="0"/>
         </a:xfrm>
       </p:grpSpPr>
-      <p:pic>
-        <p:nvPicPr>
-          <p:cNvPr id="11" name="Рисунок 10"/>
-          <p:cNvPicPr>
-            <a:picLocks noChangeAspect="1"/>
-          </p:cNvPicPr>
-          <p:nvPr/>
-        </p:nvPicPr>
-        <p:blipFill>
-          <a:blip r:embed="rId2"/>
-          <a:stretch>
-            <a:fillRect/>
-          </a:stretch>
-        </p:blipFill>
-        <p:spPr>
-          <a:xfrm>
-            <a:off x="8639175" y="142875"/>
-            <a:ext cx="3413506" cy="3390900"/>
-          </a:xfrm>
-          <a:prstGeom prst="rect">
-            <a:avLst/>
-          </a:prstGeom>
-        </p:spPr>
-      </p:pic>
       <p:sp>
         <p:nvSpPr>
           <p:cNvPr id="7" name="Rectangle 6"/>
@@ -735,7 +711,1194 @@
           <a:p>
             <a:fld id="{4ABA2C35-507B-4B25-9D97-37659C271C90}" type="datetime1">
               <a:rPr lang="ru-RU" smtClean="0"/>
-              <a:t>07.06.2017</a:t>
+              <a:t>21.07.2017</a:t>
+            </a:fld>
+            <a:endParaRPr lang="ru-RU"/>
+          </a:p>
+        </p:txBody>
+      </p:sp>
+      <p:sp>
+        <p:nvSpPr>
+          <p:cNvPr id="5" name="Footer Placeholder 4"/>
+          <p:cNvSpPr>
+            <a:spLocks noGrp="1"/>
+          </p:cNvSpPr>
+          <p:nvPr>
+            <p:ph type="ftr" sz="quarter" idx="11"/>
+          </p:nvPr>
+        </p:nvSpPr>
+        <p:spPr/>
+        <p:txBody>
+          <a:bodyPr/>
+          <a:lstStyle/>
+          <a:p>
+            <a:r>
+              <a:rPr lang="ru-RU" smtClean="0"/>
+              <a:t>Кафедра 24. "Компьютерный практикум по прикладной ядерной физике: Geant4"</a:t>
+            </a:r>
+            <a:endParaRPr lang="ru-RU"/>
+          </a:p>
+        </p:txBody>
+      </p:sp>
+      <p:sp>
+        <p:nvSpPr>
+          <p:cNvPr id="6" name="Slide Number Placeholder 5"/>
+          <p:cNvSpPr>
+            <a:spLocks noGrp="1"/>
+          </p:cNvSpPr>
+          <p:nvPr>
+            <p:ph type="sldNum" sz="quarter" idx="12"/>
+          </p:nvPr>
+        </p:nvSpPr>
+        <p:spPr/>
+        <p:txBody>
+          <a:bodyPr/>
+          <a:lstStyle/>
+          <a:p>
+            <a:fld id="{9DED66CF-9493-49B8-B7E5-6D7AD26B7BBE}" type="slidenum">
+              <a:rPr lang="ru-RU" smtClean="0"/>
+              <a:t>‹#›</a:t>
+            </a:fld>
+            <a:endParaRPr lang="ru-RU"/>
+          </a:p>
+        </p:txBody>
+      </p:sp>
+      <p:cxnSp>
+        <p:nvCxnSpPr>
+          <p:cNvPr id="9" name="Straight Connector 8"/>
+          <p:cNvCxnSpPr/>
+          <p:nvPr/>
+        </p:nvCxnSpPr>
+        <p:spPr>
+          <a:xfrm>
+            <a:off x="1207659" y="4343400"/>
+            <a:ext cx="9875520" cy="0"/>
+          </a:xfrm>
+          <a:prstGeom prst="line">
+            <a:avLst/>
+          </a:prstGeom>
+          <a:ln w="6350">
+            <a:solidFill>
+              <a:schemeClr val="tx1">
+                <a:lumMod val="50000"/>
+                <a:lumOff val="50000"/>
+              </a:schemeClr>
+            </a:solidFill>
+          </a:ln>
+        </p:spPr>
+        <p:style>
+          <a:lnRef idx="1">
+            <a:schemeClr val="accent1"/>
+          </a:lnRef>
+          <a:fillRef idx="0">
+            <a:schemeClr val="accent1"/>
+          </a:fillRef>
+          <a:effectRef idx="0">
+            <a:schemeClr val="accent1"/>
+          </a:effectRef>
+          <a:fontRef idx="minor">
+            <a:schemeClr val="tx1"/>
+          </a:fontRef>
+        </p:style>
+      </p:cxnSp>
+      <p:pic>
+        <p:nvPicPr>
+          <p:cNvPr id="16" name="Рисунок 15"/>
+          <p:cNvPicPr>
+            <a:picLocks noChangeAspect="1"/>
+          </p:cNvPicPr>
+          <p:nvPr/>
+        </p:nvPicPr>
+        <p:blipFill>
+          <a:blip r:embed="rId2" cstate="print">
+            <a:extLst>
+              <a:ext uri="{28A0092B-C50C-407E-A947-70E740481C1C}">
+                <a14:useLocalDpi xmlns:a14="http://schemas.microsoft.com/office/drawing/2010/main" val="0"/>
+              </a:ext>
+            </a:extLst>
+          </a:blip>
+          <a:stretch>
+            <a:fillRect/>
+          </a:stretch>
+        </p:blipFill>
+        <p:spPr>
+          <a:xfrm>
+            <a:off x="8659123" y="123842"/>
+            <a:ext cx="3529720" cy="3596084"/>
+          </a:xfrm>
+          <a:prstGeom prst="rect">
+            <a:avLst/>
+          </a:prstGeom>
+        </p:spPr>
+      </p:pic>
+    </p:spTree>
+    <p:extLst>
+      <p:ext uri="{BB962C8B-B14F-4D97-AF65-F5344CB8AC3E}">
+        <p14:creationId xmlns:p14="http://schemas.microsoft.com/office/powerpoint/2010/main" val="2876718092"/>
+      </p:ext>
+    </p:extLst>
+  </p:cSld>
+  <p:clrMapOvr>
+    <a:masterClrMapping/>
+  </p:clrMapOvr>
+</p:sldLayout>
+</file>
+
+<file path=ppt/slideLayouts/slideLayout10.xml><?xml version="1.0" encoding="utf-8"?>
+<p:sldLayout xmlns:a="http://schemas.openxmlformats.org/drawingml/2006/main" xmlns:r="http://schemas.openxmlformats.org/officeDocument/2006/relationships" xmlns:p="http://schemas.openxmlformats.org/presentationml/2006/main" type="vertTx" preserve="1">
+  <p:cSld name="Заголовок и вертикальный текст">
+    <p:spTree>
+      <p:nvGrpSpPr>
+        <p:cNvPr id="1" name=""/>
+        <p:cNvGrpSpPr/>
+        <p:nvPr/>
+      </p:nvGrpSpPr>
+      <p:grpSpPr>
+        <a:xfrm>
+          <a:off x="0" y="0"/>
+          <a:ext cx="0" cy="0"/>
+          <a:chOff x="0" y="0"/>
+          <a:chExt cx="0" cy="0"/>
+        </a:xfrm>
+      </p:grpSpPr>
+      <p:sp>
+        <p:nvSpPr>
+          <p:cNvPr id="2" name="Title 1"/>
+          <p:cNvSpPr>
+            <a:spLocks noGrp="1"/>
+          </p:cNvSpPr>
+          <p:nvPr>
+            <p:ph type="title"/>
+          </p:nvPr>
+        </p:nvSpPr>
+        <p:spPr/>
+        <p:txBody>
+          <a:bodyPr/>
+          <a:lstStyle/>
+          <a:p>
+            <a:r>
+              <a:rPr lang="ru-RU" smtClean="0"/>
+              <a:t>Образец заголовка</a:t>
+            </a:r>
+            <a:endParaRPr lang="en-US" dirty="0"/>
+          </a:p>
+        </p:txBody>
+      </p:sp>
+      <p:sp>
+        <p:nvSpPr>
+          <p:cNvPr id="3" name="Vertical Text Placeholder 2"/>
+          <p:cNvSpPr>
+            <a:spLocks noGrp="1"/>
+          </p:cNvSpPr>
+          <p:nvPr>
+            <p:ph type="body" orient="vert" idx="1"/>
+          </p:nvPr>
+        </p:nvSpPr>
+        <p:spPr/>
+        <p:txBody>
+          <a:bodyPr vert="eaVert" lIns="45720" tIns="0" rIns="45720" bIns="0"/>
+          <a:lstStyle/>
+          <a:p>
+            <a:pPr lvl="0"/>
+            <a:r>
+              <a:rPr lang="ru-RU" smtClean="0"/>
+              <a:t>Образец текста</a:t>
+            </a:r>
+          </a:p>
+          <a:p>
+            <a:pPr lvl="1"/>
+            <a:r>
+              <a:rPr lang="ru-RU" smtClean="0"/>
+              <a:t>Второй уровень</a:t>
+            </a:r>
+          </a:p>
+          <a:p>
+            <a:pPr lvl="2"/>
+            <a:r>
+              <a:rPr lang="ru-RU" smtClean="0"/>
+              <a:t>Третий уровень</a:t>
+            </a:r>
+          </a:p>
+          <a:p>
+            <a:pPr lvl="3"/>
+            <a:r>
+              <a:rPr lang="ru-RU" smtClean="0"/>
+              <a:t>Четвертый уровень</a:t>
+            </a:r>
+          </a:p>
+          <a:p>
+            <a:pPr lvl="4"/>
+            <a:r>
+              <a:rPr lang="ru-RU" smtClean="0"/>
+              <a:t>Пятый уровень</a:t>
+            </a:r>
+            <a:endParaRPr lang="en-US" dirty="0"/>
+          </a:p>
+        </p:txBody>
+      </p:sp>
+      <p:sp>
+        <p:nvSpPr>
+          <p:cNvPr id="4" name="Date Placeholder 3"/>
+          <p:cNvSpPr>
+            <a:spLocks noGrp="1"/>
+          </p:cNvSpPr>
+          <p:nvPr>
+            <p:ph type="dt" sz="half" idx="10"/>
+          </p:nvPr>
+        </p:nvSpPr>
+        <p:spPr/>
+        <p:txBody>
+          <a:bodyPr/>
+          <a:lstStyle/>
+          <a:p>
+            <a:fld id="{8CDF6DD9-239A-4B52-B7CF-6832274B70F6}" type="datetime1">
+              <a:rPr lang="ru-RU" smtClean="0"/>
+              <a:t>21.07.2017</a:t>
+            </a:fld>
+            <a:endParaRPr lang="ru-RU"/>
+          </a:p>
+        </p:txBody>
+      </p:sp>
+      <p:sp>
+        <p:nvSpPr>
+          <p:cNvPr id="5" name="Footer Placeholder 4"/>
+          <p:cNvSpPr>
+            <a:spLocks noGrp="1"/>
+          </p:cNvSpPr>
+          <p:nvPr>
+            <p:ph type="ftr" sz="quarter" idx="11"/>
+          </p:nvPr>
+        </p:nvSpPr>
+        <p:spPr/>
+        <p:txBody>
+          <a:bodyPr/>
+          <a:lstStyle/>
+          <a:p>
+            <a:r>
+              <a:rPr lang="ru-RU" smtClean="0"/>
+              <a:t>Кафедра 24. "Компьютерный практикум по прикладной ядерной физике: Geant4"</a:t>
+            </a:r>
+            <a:endParaRPr lang="ru-RU"/>
+          </a:p>
+        </p:txBody>
+      </p:sp>
+      <p:sp>
+        <p:nvSpPr>
+          <p:cNvPr id="6" name="Slide Number Placeholder 5"/>
+          <p:cNvSpPr>
+            <a:spLocks noGrp="1"/>
+          </p:cNvSpPr>
+          <p:nvPr>
+            <p:ph type="sldNum" sz="quarter" idx="12"/>
+          </p:nvPr>
+        </p:nvSpPr>
+        <p:spPr/>
+        <p:txBody>
+          <a:bodyPr/>
+          <a:lstStyle/>
+          <a:p>
+            <a:fld id="{9DED66CF-9493-49B8-B7E5-6D7AD26B7BBE}" type="slidenum">
+              <a:rPr lang="ru-RU" smtClean="0"/>
+              <a:t>‹#›</a:t>
+            </a:fld>
+            <a:endParaRPr lang="ru-RU"/>
+          </a:p>
+        </p:txBody>
+      </p:sp>
+    </p:spTree>
+    <p:extLst>
+      <p:ext uri="{BB962C8B-B14F-4D97-AF65-F5344CB8AC3E}">
+        <p14:creationId xmlns:p14="http://schemas.microsoft.com/office/powerpoint/2010/main" val="229450003"/>
+      </p:ext>
+    </p:extLst>
+  </p:cSld>
+  <p:clrMapOvr>
+    <a:masterClrMapping/>
+  </p:clrMapOvr>
+</p:sldLayout>
+</file>
+
+<file path=ppt/slideLayouts/slideLayout11.xml><?xml version="1.0" encoding="utf-8"?>
+<p:sldLayout xmlns:a="http://schemas.openxmlformats.org/drawingml/2006/main" xmlns:r="http://schemas.openxmlformats.org/officeDocument/2006/relationships" xmlns:p="http://schemas.openxmlformats.org/presentationml/2006/main" showMasterSp="0" type="vertTitleAndTx" preserve="1">
+  <p:cSld name="Вертикальный заголовок и текст">
+    <p:spTree>
+      <p:nvGrpSpPr>
+        <p:cNvPr id="1" name=""/>
+        <p:cNvGrpSpPr/>
+        <p:nvPr/>
+      </p:nvGrpSpPr>
+      <p:grpSpPr>
+        <a:xfrm>
+          <a:off x="0" y="0"/>
+          <a:ext cx="0" cy="0"/>
+          <a:chOff x="0" y="0"/>
+          <a:chExt cx="0" cy="0"/>
+        </a:xfrm>
+      </p:grpSpPr>
+      <p:sp>
+        <p:nvSpPr>
+          <p:cNvPr id="7" name="Rectangle 6"/>
+          <p:cNvSpPr/>
+          <p:nvPr/>
+        </p:nvSpPr>
+        <p:spPr>
+          <a:xfrm>
+            <a:off x="3177" y="6400800"/>
+            <a:ext cx="12188825" cy="457200"/>
+          </a:xfrm>
+          <a:prstGeom prst="rect">
+            <a:avLst/>
+          </a:prstGeom>
+          <a:solidFill>
+            <a:schemeClr val="accent2"/>
+          </a:solidFill>
+          <a:ln>
+            <a:noFill/>
+          </a:ln>
+        </p:spPr>
+        <p:style>
+          <a:lnRef idx="2">
+            <a:schemeClr val="accent1">
+              <a:shade val="50000"/>
+            </a:schemeClr>
+          </a:lnRef>
+          <a:fillRef idx="1">
+            <a:schemeClr val="accent1"/>
+          </a:fillRef>
+          <a:effectRef idx="0">
+            <a:schemeClr val="accent1"/>
+          </a:effectRef>
+          <a:fontRef idx="minor">
+            <a:schemeClr val="lt1"/>
+          </a:fontRef>
+        </p:style>
+      </p:sp>
+      <p:sp>
+        <p:nvSpPr>
+          <p:cNvPr id="8" name="Rectangle 7"/>
+          <p:cNvSpPr/>
+          <p:nvPr/>
+        </p:nvSpPr>
+        <p:spPr>
+          <a:xfrm>
+            <a:off x="17" y="6334316"/>
+            <a:ext cx="12188825" cy="64008"/>
+          </a:xfrm>
+          <a:prstGeom prst="rect">
+            <a:avLst/>
+          </a:prstGeom>
+          <a:solidFill>
+            <a:schemeClr val="accent1"/>
+          </a:solidFill>
+          <a:ln>
+            <a:noFill/>
+          </a:ln>
+        </p:spPr>
+        <p:style>
+          <a:lnRef idx="2">
+            <a:schemeClr val="accent1">
+              <a:shade val="50000"/>
+            </a:schemeClr>
+          </a:lnRef>
+          <a:fillRef idx="1">
+            <a:schemeClr val="accent1"/>
+          </a:fillRef>
+          <a:effectRef idx="0">
+            <a:schemeClr val="accent1"/>
+          </a:effectRef>
+          <a:fontRef idx="minor">
+            <a:schemeClr val="lt1"/>
+          </a:fontRef>
+        </p:style>
+      </p:sp>
+      <p:sp>
+        <p:nvSpPr>
+          <p:cNvPr id="2" name="Vertical Title 1"/>
+          <p:cNvSpPr>
+            <a:spLocks noGrp="1"/>
+          </p:cNvSpPr>
+          <p:nvPr>
+            <p:ph type="title" orient="vert"/>
+          </p:nvPr>
+        </p:nvSpPr>
+        <p:spPr>
+          <a:xfrm>
+            <a:off x="8724902" y="412303"/>
+            <a:ext cx="2628900" cy="5759898"/>
+          </a:xfrm>
+        </p:spPr>
+        <p:txBody>
+          <a:bodyPr vert="eaVert"/>
+          <a:lstStyle/>
+          <a:p>
+            <a:r>
+              <a:rPr lang="ru-RU" smtClean="0"/>
+              <a:t>Образец заголовка</a:t>
+            </a:r>
+            <a:endParaRPr lang="en-US" dirty="0"/>
+          </a:p>
+        </p:txBody>
+      </p:sp>
+      <p:sp>
+        <p:nvSpPr>
+          <p:cNvPr id="3" name="Vertical Text Placeholder 2"/>
+          <p:cNvSpPr>
+            <a:spLocks noGrp="1"/>
+          </p:cNvSpPr>
+          <p:nvPr>
+            <p:ph type="body" orient="vert" idx="1"/>
+          </p:nvPr>
+        </p:nvSpPr>
+        <p:spPr>
+          <a:xfrm>
+            <a:off x="838201" y="412303"/>
+            <a:ext cx="7734299" cy="5759898"/>
+          </a:xfrm>
+        </p:spPr>
+        <p:txBody>
+          <a:bodyPr vert="eaVert" lIns="45720" tIns="0" rIns="45720" bIns="0"/>
+          <a:lstStyle/>
+          <a:p>
+            <a:pPr lvl="0"/>
+            <a:r>
+              <a:rPr lang="ru-RU" smtClean="0"/>
+              <a:t>Образец текста</a:t>
+            </a:r>
+          </a:p>
+          <a:p>
+            <a:pPr lvl="1"/>
+            <a:r>
+              <a:rPr lang="ru-RU" smtClean="0"/>
+              <a:t>Второй уровень</a:t>
+            </a:r>
+          </a:p>
+          <a:p>
+            <a:pPr lvl="2"/>
+            <a:r>
+              <a:rPr lang="ru-RU" smtClean="0"/>
+              <a:t>Третий уровень</a:t>
+            </a:r>
+          </a:p>
+          <a:p>
+            <a:pPr lvl="3"/>
+            <a:r>
+              <a:rPr lang="ru-RU" smtClean="0"/>
+              <a:t>Четвертый уровень</a:t>
+            </a:r>
+          </a:p>
+          <a:p>
+            <a:pPr lvl="4"/>
+            <a:r>
+              <a:rPr lang="ru-RU" smtClean="0"/>
+              <a:t>Пятый уровень</a:t>
+            </a:r>
+            <a:endParaRPr lang="en-US" dirty="0"/>
+          </a:p>
+        </p:txBody>
+      </p:sp>
+      <p:sp>
+        <p:nvSpPr>
+          <p:cNvPr id="4" name="Date Placeholder 3"/>
+          <p:cNvSpPr>
+            <a:spLocks noGrp="1"/>
+          </p:cNvSpPr>
+          <p:nvPr>
+            <p:ph type="dt" sz="half" idx="10"/>
+          </p:nvPr>
+        </p:nvSpPr>
+        <p:spPr/>
+        <p:txBody>
+          <a:bodyPr/>
+          <a:lstStyle/>
+          <a:p>
+            <a:fld id="{8725D579-EA45-4D23-B6AF-D0F2D4618A1C}" type="datetime1">
+              <a:rPr lang="ru-RU" smtClean="0"/>
+              <a:t>21.07.2017</a:t>
+            </a:fld>
+            <a:endParaRPr lang="ru-RU"/>
+          </a:p>
+        </p:txBody>
+      </p:sp>
+      <p:sp>
+        <p:nvSpPr>
+          <p:cNvPr id="5" name="Footer Placeholder 4"/>
+          <p:cNvSpPr>
+            <a:spLocks noGrp="1"/>
+          </p:cNvSpPr>
+          <p:nvPr>
+            <p:ph type="ftr" sz="quarter" idx="11"/>
+          </p:nvPr>
+        </p:nvSpPr>
+        <p:spPr/>
+        <p:txBody>
+          <a:bodyPr/>
+          <a:lstStyle/>
+          <a:p>
+            <a:r>
+              <a:rPr lang="ru-RU" smtClean="0"/>
+              <a:t>Кафедра 24. "Компьютерный практикум по прикладной ядерной физике: Geant4"</a:t>
+            </a:r>
+            <a:endParaRPr lang="ru-RU"/>
+          </a:p>
+        </p:txBody>
+      </p:sp>
+      <p:sp>
+        <p:nvSpPr>
+          <p:cNvPr id="6" name="Slide Number Placeholder 5"/>
+          <p:cNvSpPr>
+            <a:spLocks noGrp="1"/>
+          </p:cNvSpPr>
+          <p:nvPr>
+            <p:ph type="sldNum" sz="quarter" idx="12"/>
+          </p:nvPr>
+        </p:nvSpPr>
+        <p:spPr/>
+        <p:txBody>
+          <a:bodyPr/>
+          <a:lstStyle/>
+          <a:p>
+            <a:fld id="{9DED66CF-9493-49B8-B7E5-6D7AD26B7BBE}" type="slidenum">
+              <a:rPr lang="ru-RU" smtClean="0"/>
+              <a:t>‹#›</a:t>
+            </a:fld>
+            <a:endParaRPr lang="ru-RU"/>
+          </a:p>
+        </p:txBody>
+      </p:sp>
+    </p:spTree>
+    <p:extLst>
+      <p:ext uri="{BB962C8B-B14F-4D97-AF65-F5344CB8AC3E}">
+        <p14:creationId xmlns:p14="http://schemas.microsoft.com/office/powerpoint/2010/main" val="1202217748"/>
+      </p:ext>
+    </p:extLst>
+  </p:cSld>
+  <p:clrMapOvr>
+    <a:masterClrMapping/>
+  </p:clrMapOvr>
+</p:sldLayout>
+</file>
+
+<file path=ppt/slideLayouts/slideLayout12.xml><?xml version="1.0" encoding="utf-8"?>
+<p:sldLayout xmlns:a="http://schemas.openxmlformats.org/drawingml/2006/main" xmlns:r="http://schemas.openxmlformats.org/officeDocument/2006/relationships" xmlns:p="http://schemas.openxmlformats.org/presentationml/2006/main" type="tx">
+  <p:cSld name="1_Титульный слайд">
+    <p:spTree>
+      <p:nvGrpSpPr>
+        <p:cNvPr id="1" name=""/>
+        <p:cNvGrpSpPr/>
+        <p:nvPr/>
+      </p:nvGrpSpPr>
+      <p:grpSpPr>
+        <a:xfrm>
+          <a:off x="0" y="0"/>
+          <a:ext cx="0" cy="0"/>
+          <a:chOff x="0" y="0"/>
+          <a:chExt cx="0" cy="0"/>
+        </a:xfrm>
+      </p:grpSpPr>
+      <p:sp>
+        <p:nvSpPr>
+          <p:cNvPr id="5" name="PlaceHolder 1"/>
+          <p:cNvSpPr>
+            <a:spLocks noGrp="1"/>
+          </p:cNvSpPr>
+          <p:nvPr>
+            <p:ph type="title"/>
+          </p:nvPr>
+        </p:nvSpPr>
+        <p:spPr>
+          <a:xfrm>
+            <a:off x="609562" y="273352"/>
+            <a:ext cx="10971684" cy="1145009"/>
+          </a:xfrm>
+          <a:prstGeom prst="rect">
+            <a:avLst/>
+          </a:prstGeom>
+        </p:spPr>
+        <p:txBody>
+          <a:bodyPr lIns="0" tIns="0" rIns="0" bIns="0" anchor="ctr"/>
+          <a:lstStyle/>
+          <a:p>
+            <a:pPr algn="ctr"/>
+            <a:r>
+              <a:rPr lang="ru-RU" sz="3992" b="0" strike="noStrike" spc="-1" smtClean="0">
+                <a:solidFill>
+                  <a:srgbClr val="000000"/>
+                </a:solidFill>
+                <a:uFill>
+                  <a:solidFill>
+                    <a:srgbClr val="FFFFFF"/>
+                  </a:solidFill>
+                </a:uFill>
+                <a:latin typeface="Arial"/>
+              </a:rPr>
+              <a:t>Образец заголовка</a:t>
+            </a:r>
+            <a:endParaRPr lang="ru-RU" sz="3992" b="0" strike="noStrike" spc="-1">
+              <a:solidFill>
+                <a:srgbClr val="000000"/>
+              </a:solidFill>
+              <a:uFill>
+                <a:solidFill>
+                  <a:srgbClr val="FFFFFF"/>
+                </a:solidFill>
+              </a:uFill>
+              <a:latin typeface="Arial"/>
+            </a:endParaRPr>
+          </a:p>
+        </p:txBody>
+      </p:sp>
+      <p:sp>
+        <p:nvSpPr>
+          <p:cNvPr id="6" name="PlaceHolder 2"/>
+          <p:cNvSpPr>
+            <a:spLocks noGrp="1"/>
+          </p:cNvSpPr>
+          <p:nvPr>
+            <p:ph type="subTitle"/>
+          </p:nvPr>
+        </p:nvSpPr>
+        <p:spPr>
+          <a:xfrm>
+            <a:off x="609562" y="1604841"/>
+            <a:ext cx="10971684" cy="3977484"/>
+          </a:xfrm>
+          <a:prstGeom prst="rect">
+            <a:avLst/>
+          </a:prstGeom>
+        </p:spPr>
+        <p:txBody>
+          <a:bodyPr lIns="0" tIns="0" rIns="0" bIns="0" anchor="ctr"/>
+          <a:lstStyle/>
+          <a:p>
+            <a:pPr algn="ctr"/>
+            <a:r>
+              <a:rPr lang="ru-RU" sz="2903" b="0" strike="noStrike" spc="-1" smtClean="0">
+                <a:solidFill>
+                  <a:srgbClr val="000000"/>
+                </a:solidFill>
+                <a:uFill>
+                  <a:solidFill>
+                    <a:srgbClr val="FFFFFF"/>
+                  </a:solidFill>
+                </a:uFill>
+                <a:latin typeface="Arial"/>
+              </a:rPr>
+              <a:t>Образец подзаголовка</a:t>
+            </a:r>
+            <a:endParaRPr lang="ru-RU" sz="2903" b="0" strike="noStrike" spc="-1">
+              <a:solidFill>
+                <a:srgbClr val="000000"/>
+              </a:solidFill>
+              <a:uFill>
+                <a:solidFill>
+                  <a:srgbClr val="FFFFFF"/>
+                </a:solidFill>
+              </a:uFill>
+              <a:latin typeface="Arial"/>
+            </a:endParaRPr>
+          </a:p>
+        </p:txBody>
+      </p:sp>
+    </p:spTree>
+    <p:extLst>
+      <p:ext uri="{BB962C8B-B14F-4D97-AF65-F5344CB8AC3E}">
+        <p14:creationId xmlns:p14="http://schemas.microsoft.com/office/powerpoint/2010/main" val="4067854309"/>
+      </p:ext>
+    </p:extLst>
+  </p:cSld>
+  <p:clrMapOvr>
+    <a:masterClrMapping/>
+  </p:clrMapOvr>
+</p:sldLayout>
+</file>
+
+<file path=ppt/slideLayouts/slideLayout2.xml><?xml version="1.0" encoding="utf-8"?>
+<p:sldLayout xmlns:a="http://schemas.openxmlformats.org/drawingml/2006/main" xmlns:r="http://schemas.openxmlformats.org/officeDocument/2006/relationships" xmlns:p="http://schemas.openxmlformats.org/presentationml/2006/main" type="obj" preserve="1">
+  <p:cSld name="Заголовок и объект">
+    <p:spTree>
+      <p:nvGrpSpPr>
+        <p:cNvPr id="1" name=""/>
+        <p:cNvGrpSpPr/>
+        <p:nvPr/>
+      </p:nvGrpSpPr>
+      <p:grpSpPr>
+        <a:xfrm>
+          <a:off x="0" y="0"/>
+          <a:ext cx="0" cy="0"/>
+          <a:chOff x="0" y="0"/>
+          <a:chExt cx="0" cy="0"/>
+        </a:xfrm>
+      </p:grpSpPr>
+      <p:sp>
+        <p:nvSpPr>
+          <p:cNvPr id="2" name="Title 1"/>
+          <p:cNvSpPr>
+            <a:spLocks noGrp="1"/>
+          </p:cNvSpPr>
+          <p:nvPr>
+            <p:ph type="title"/>
+          </p:nvPr>
+        </p:nvSpPr>
+        <p:spPr/>
+        <p:txBody>
+          <a:bodyPr/>
+          <a:lstStyle/>
+          <a:p>
+            <a:r>
+              <a:rPr lang="ru-RU" smtClean="0"/>
+              <a:t>Образец заголовка</a:t>
+            </a:r>
+            <a:endParaRPr lang="en-US" dirty="0"/>
+          </a:p>
+        </p:txBody>
+      </p:sp>
+      <p:sp>
+        <p:nvSpPr>
+          <p:cNvPr id="3" name="Content Placeholder 2"/>
+          <p:cNvSpPr>
+            <a:spLocks noGrp="1"/>
+          </p:cNvSpPr>
+          <p:nvPr>
+            <p:ph idx="1"/>
+          </p:nvPr>
+        </p:nvSpPr>
+        <p:spPr/>
+        <p:txBody>
+          <a:bodyPr/>
+          <a:lstStyle/>
+          <a:p>
+            <a:pPr lvl="0"/>
+            <a:r>
+              <a:rPr lang="ru-RU" smtClean="0"/>
+              <a:t>Образец текста</a:t>
+            </a:r>
+          </a:p>
+          <a:p>
+            <a:pPr lvl="1"/>
+            <a:r>
+              <a:rPr lang="ru-RU" smtClean="0"/>
+              <a:t>Второй уровень</a:t>
+            </a:r>
+          </a:p>
+          <a:p>
+            <a:pPr lvl="2"/>
+            <a:r>
+              <a:rPr lang="ru-RU" smtClean="0"/>
+              <a:t>Третий уровень</a:t>
+            </a:r>
+          </a:p>
+          <a:p>
+            <a:pPr lvl="3"/>
+            <a:r>
+              <a:rPr lang="ru-RU" smtClean="0"/>
+              <a:t>Четвертый уровень</a:t>
+            </a:r>
+          </a:p>
+          <a:p>
+            <a:pPr lvl="4"/>
+            <a:r>
+              <a:rPr lang="ru-RU" smtClean="0"/>
+              <a:t>Пятый уровень</a:t>
+            </a:r>
+            <a:endParaRPr lang="en-US" dirty="0"/>
+          </a:p>
+        </p:txBody>
+      </p:sp>
+      <p:sp>
+        <p:nvSpPr>
+          <p:cNvPr id="4" name="Date Placeholder 3"/>
+          <p:cNvSpPr>
+            <a:spLocks noGrp="1"/>
+          </p:cNvSpPr>
+          <p:nvPr>
+            <p:ph type="dt" sz="half" idx="10"/>
+          </p:nvPr>
+        </p:nvSpPr>
+        <p:spPr/>
+        <p:txBody>
+          <a:bodyPr/>
+          <a:lstStyle/>
+          <a:p>
+            <a:fld id="{C10296D6-56D3-4ABB-9B12-D55C9C9511C6}" type="datetime1">
+              <a:rPr lang="ru-RU" smtClean="0"/>
+              <a:t>21.07.2017</a:t>
+            </a:fld>
+            <a:endParaRPr lang="ru-RU"/>
+          </a:p>
+        </p:txBody>
+      </p:sp>
+      <p:sp>
+        <p:nvSpPr>
+          <p:cNvPr id="5" name="Footer Placeholder 4"/>
+          <p:cNvSpPr>
+            <a:spLocks noGrp="1"/>
+          </p:cNvSpPr>
+          <p:nvPr>
+            <p:ph type="ftr" sz="quarter" idx="11"/>
+          </p:nvPr>
+        </p:nvSpPr>
+        <p:spPr/>
+        <p:txBody>
+          <a:bodyPr/>
+          <a:lstStyle/>
+          <a:p>
+            <a:r>
+              <a:rPr lang="ru-RU" smtClean="0"/>
+              <a:t>Кафедра 24. "Компьютерный практикум по прикладной ядерной физике: Geant4"</a:t>
+            </a:r>
+            <a:endParaRPr lang="ru-RU"/>
+          </a:p>
+        </p:txBody>
+      </p:sp>
+      <p:sp>
+        <p:nvSpPr>
+          <p:cNvPr id="6" name="Slide Number Placeholder 5"/>
+          <p:cNvSpPr>
+            <a:spLocks noGrp="1"/>
+          </p:cNvSpPr>
+          <p:nvPr>
+            <p:ph type="sldNum" sz="quarter" idx="12"/>
+          </p:nvPr>
+        </p:nvSpPr>
+        <p:spPr/>
+        <p:txBody>
+          <a:bodyPr/>
+          <a:lstStyle/>
+          <a:p>
+            <a:fld id="{9DED66CF-9493-49B8-B7E5-6D7AD26B7BBE}" type="slidenum">
+              <a:rPr lang="ru-RU" smtClean="0"/>
+              <a:t>‹#›</a:t>
+            </a:fld>
+            <a:endParaRPr lang="ru-RU"/>
+          </a:p>
+        </p:txBody>
+      </p:sp>
+      <p:cxnSp>
+        <p:nvCxnSpPr>
+          <p:cNvPr id="9" name="Прямая соединительная линия 8"/>
+          <p:cNvCxnSpPr/>
+          <p:nvPr/>
+        </p:nvCxnSpPr>
+        <p:spPr>
+          <a:xfrm>
+            <a:off x="1200150" y="1737362"/>
+            <a:ext cx="9853613" cy="0"/>
+          </a:xfrm>
+          <a:prstGeom prst="line">
+            <a:avLst/>
+          </a:prstGeom>
+        </p:spPr>
+        <p:style>
+          <a:lnRef idx="1">
+            <a:schemeClr val="dk1"/>
+          </a:lnRef>
+          <a:fillRef idx="0">
+            <a:schemeClr val="dk1"/>
+          </a:fillRef>
+          <a:effectRef idx="0">
+            <a:schemeClr val="dk1"/>
+          </a:effectRef>
+          <a:fontRef idx="minor">
+            <a:schemeClr val="tx1"/>
+          </a:fontRef>
+        </p:style>
+      </p:cxnSp>
+    </p:spTree>
+    <p:extLst>
+      <p:ext uri="{BB962C8B-B14F-4D97-AF65-F5344CB8AC3E}">
+        <p14:creationId xmlns:p14="http://schemas.microsoft.com/office/powerpoint/2010/main" val="3845263525"/>
+      </p:ext>
+    </p:extLst>
+  </p:cSld>
+  <p:clrMapOvr>
+    <a:masterClrMapping/>
+  </p:clrMapOvr>
+</p:sldLayout>
+</file>
+
+<file path=ppt/slideLayouts/slideLayout3.xml><?xml version="1.0" encoding="utf-8"?>
+<p:sldLayout xmlns:a="http://schemas.openxmlformats.org/drawingml/2006/main" xmlns:r="http://schemas.openxmlformats.org/officeDocument/2006/relationships" xmlns:p="http://schemas.openxmlformats.org/presentationml/2006/main" showMasterSp="0" type="secHead" preserve="1">
+  <p:cSld name="Заголовок раздела">
+    <p:bg>
+      <p:bgPr>
+        <a:solidFill>
+          <a:schemeClr val="bg1"/>
+        </a:solidFill>
+        <a:effectLst/>
+      </p:bgPr>
+    </p:bg>
+    <p:spTree>
+      <p:nvGrpSpPr>
+        <p:cNvPr id="1" name=""/>
+        <p:cNvGrpSpPr/>
+        <p:nvPr/>
+      </p:nvGrpSpPr>
+      <p:grpSpPr>
+        <a:xfrm>
+          <a:off x="0" y="0"/>
+          <a:ext cx="0" cy="0"/>
+          <a:chOff x="0" y="0"/>
+          <a:chExt cx="0" cy="0"/>
+        </a:xfrm>
+      </p:grpSpPr>
+      <p:sp>
+        <p:nvSpPr>
+          <p:cNvPr id="7" name="Rectangle 6"/>
+          <p:cNvSpPr/>
+          <p:nvPr/>
+        </p:nvSpPr>
+        <p:spPr>
+          <a:xfrm>
+            <a:off x="3177" y="6400800"/>
+            <a:ext cx="12188825" cy="457200"/>
+          </a:xfrm>
+          <a:prstGeom prst="rect">
+            <a:avLst/>
+          </a:prstGeom>
+          <a:solidFill>
+            <a:schemeClr val="accent2"/>
+          </a:solidFill>
+          <a:ln>
+            <a:noFill/>
+          </a:ln>
+        </p:spPr>
+        <p:style>
+          <a:lnRef idx="2">
+            <a:schemeClr val="accent1">
+              <a:shade val="50000"/>
+            </a:schemeClr>
+          </a:lnRef>
+          <a:fillRef idx="1">
+            <a:schemeClr val="accent1"/>
+          </a:fillRef>
+          <a:effectRef idx="0">
+            <a:schemeClr val="accent1"/>
+          </a:effectRef>
+          <a:fontRef idx="minor">
+            <a:schemeClr val="lt1"/>
+          </a:fontRef>
+        </p:style>
+      </p:sp>
+      <p:sp>
+        <p:nvSpPr>
+          <p:cNvPr id="8" name="Rectangle 7"/>
+          <p:cNvSpPr/>
+          <p:nvPr/>
+        </p:nvSpPr>
+        <p:spPr>
+          <a:xfrm>
+            <a:off x="17" y="6334316"/>
+            <a:ext cx="12188825" cy="64008"/>
+          </a:xfrm>
+          <a:prstGeom prst="rect">
+            <a:avLst/>
+          </a:prstGeom>
+          <a:solidFill>
+            <a:schemeClr val="accent1"/>
+          </a:solidFill>
+          <a:ln>
+            <a:noFill/>
+          </a:ln>
+        </p:spPr>
+        <p:style>
+          <a:lnRef idx="2">
+            <a:schemeClr val="accent1">
+              <a:shade val="50000"/>
+            </a:schemeClr>
+          </a:lnRef>
+          <a:fillRef idx="1">
+            <a:schemeClr val="accent1"/>
+          </a:fillRef>
+          <a:effectRef idx="0">
+            <a:schemeClr val="accent1"/>
+          </a:effectRef>
+          <a:fontRef idx="minor">
+            <a:schemeClr val="lt1"/>
+          </a:fontRef>
+        </p:style>
+      </p:sp>
+      <p:sp>
+        <p:nvSpPr>
+          <p:cNvPr id="2" name="Title 1"/>
+          <p:cNvSpPr>
+            <a:spLocks noGrp="1"/>
+          </p:cNvSpPr>
+          <p:nvPr>
+            <p:ph type="title"/>
+          </p:nvPr>
+        </p:nvSpPr>
+        <p:spPr>
+          <a:xfrm>
+            <a:off x="1097280" y="758952"/>
+            <a:ext cx="10058400" cy="3566160"/>
+          </a:xfrm>
+        </p:spPr>
+        <p:txBody>
+          <a:bodyPr anchor="b" anchorCtr="0">
+            <a:normAutofit/>
+          </a:bodyPr>
+          <a:lstStyle>
+            <a:lvl1pPr>
+              <a:lnSpc>
+                <a:spcPct val="85000"/>
+              </a:lnSpc>
+              <a:defRPr sz="8000" b="0">
+                <a:solidFill>
+                  <a:schemeClr val="tx1">
+                    <a:lumMod val="85000"/>
+                    <a:lumOff val="15000"/>
+                  </a:schemeClr>
+                </a:solidFill>
+              </a:defRPr>
+            </a:lvl1pPr>
+          </a:lstStyle>
+          <a:p>
+            <a:r>
+              <a:rPr lang="ru-RU" smtClean="0"/>
+              <a:t>Образец заголовка</a:t>
+            </a:r>
+            <a:endParaRPr lang="en-US" dirty="0"/>
+          </a:p>
+        </p:txBody>
+      </p:sp>
+      <p:sp>
+        <p:nvSpPr>
+          <p:cNvPr id="3" name="Text Placeholder 2"/>
+          <p:cNvSpPr>
+            <a:spLocks noGrp="1"/>
+          </p:cNvSpPr>
+          <p:nvPr>
+            <p:ph type="body" idx="1"/>
+          </p:nvPr>
+        </p:nvSpPr>
+        <p:spPr>
+          <a:xfrm>
+            <a:off x="1097280" y="4453128"/>
+            <a:ext cx="10058400" cy="1143000"/>
+          </a:xfrm>
+        </p:spPr>
+        <p:txBody>
+          <a:bodyPr lIns="91440" rIns="91440" anchor="t" anchorCtr="0">
+            <a:normAutofit/>
+          </a:bodyPr>
+          <a:lstStyle>
+            <a:lvl1pPr marL="0" indent="0">
+              <a:buNone/>
+              <a:defRPr sz="2400" cap="all" spc="200" baseline="0">
+                <a:solidFill>
+                  <a:schemeClr val="tx2"/>
+                </a:solidFill>
+                <a:latin typeface="+mj-lt"/>
+              </a:defRPr>
+            </a:lvl1pPr>
+            <a:lvl2pPr marL="457203" indent="0">
+              <a:buNone/>
+              <a:defRPr sz="1800">
+                <a:solidFill>
+                  <a:schemeClr val="tx1">
+                    <a:tint val="75000"/>
+                  </a:schemeClr>
+                </a:solidFill>
+              </a:defRPr>
+            </a:lvl2pPr>
+            <a:lvl3pPr marL="914406" indent="0">
+              <a:buNone/>
+              <a:defRPr sz="1600">
+                <a:solidFill>
+                  <a:schemeClr val="tx1">
+                    <a:tint val="75000"/>
+                  </a:schemeClr>
+                </a:solidFill>
+              </a:defRPr>
+            </a:lvl3pPr>
+            <a:lvl4pPr marL="1371609" indent="0">
+              <a:buNone/>
+              <a:defRPr sz="1400">
+                <a:solidFill>
+                  <a:schemeClr val="tx1">
+                    <a:tint val="75000"/>
+                  </a:schemeClr>
+                </a:solidFill>
+              </a:defRPr>
+            </a:lvl4pPr>
+            <a:lvl5pPr marL="1828812" indent="0">
+              <a:buNone/>
+              <a:defRPr sz="1400">
+                <a:solidFill>
+                  <a:schemeClr val="tx1">
+                    <a:tint val="75000"/>
+                  </a:schemeClr>
+                </a:solidFill>
+              </a:defRPr>
+            </a:lvl5pPr>
+            <a:lvl6pPr marL="2286015" indent="0">
+              <a:buNone/>
+              <a:defRPr sz="1400">
+                <a:solidFill>
+                  <a:schemeClr val="tx1">
+                    <a:tint val="75000"/>
+                  </a:schemeClr>
+                </a:solidFill>
+              </a:defRPr>
+            </a:lvl6pPr>
+            <a:lvl7pPr marL="2743218" indent="0">
+              <a:buNone/>
+              <a:defRPr sz="1400">
+                <a:solidFill>
+                  <a:schemeClr val="tx1">
+                    <a:tint val="75000"/>
+                  </a:schemeClr>
+                </a:solidFill>
+              </a:defRPr>
+            </a:lvl7pPr>
+            <a:lvl8pPr marL="3200421" indent="0">
+              <a:buNone/>
+              <a:defRPr sz="1400">
+                <a:solidFill>
+                  <a:schemeClr val="tx1">
+                    <a:tint val="75000"/>
+                  </a:schemeClr>
+                </a:solidFill>
+              </a:defRPr>
+            </a:lvl8pPr>
+            <a:lvl9pPr marL="3657624" indent="0">
+              <a:buNone/>
+              <a:defRPr sz="1400">
+                <a:solidFill>
+                  <a:schemeClr val="tx1">
+                    <a:tint val="75000"/>
+                  </a:schemeClr>
+                </a:solidFill>
+              </a:defRPr>
+            </a:lvl9pPr>
+          </a:lstStyle>
+          <a:p>
+            <a:pPr lvl="0"/>
+            <a:r>
+              <a:rPr lang="ru-RU" smtClean="0"/>
+              <a:t>Образец текста</a:t>
+            </a:r>
+          </a:p>
+        </p:txBody>
+      </p:sp>
+      <p:sp>
+        <p:nvSpPr>
+          <p:cNvPr id="4" name="Date Placeholder 3"/>
+          <p:cNvSpPr>
+            <a:spLocks noGrp="1"/>
+          </p:cNvSpPr>
+          <p:nvPr>
+            <p:ph type="dt" sz="half" idx="10"/>
+          </p:nvPr>
+        </p:nvSpPr>
+        <p:spPr/>
+        <p:txBody>
+          <a:bodyPr/>
+          <a:lstStyle/>
+          <a:p>
+            <a:fld id="{1035B96B-EA8A-40FF-8252-183151A17696}" type="datetime1">
+              <a:rPr lang="ru-RU" smtClean="0"/>
+              <a:t>21.07.2017</a:t>
             </a:fld>
             <a:endParaRPr lang="ru-RU"/>
           </a:p>
@@ -828,1164 +1991,7 @@
     </p:spTree>
     <p:extLst>
       <p:ext uri="{BB962C8B-B14F-4D97-AF65-F5344CB8AC3E}">
-        <p14:creationId xmlns:p14="http://schemas.microsoft.com/office/powerpoint/2010/main" val="1949738324"/>
-      </p:ext>
-    </p:extLst>
-  </p:cSld>
-  <p:clrMapOvr>
-    <a:masterClrMapping/>
-  </p:clrMapOvr>
-</p:sldLayout>
-</file>
-
-<file path=ppt/slideLayouts/slideLayout10.xml><?xml version="1.0" encoding="utf-8"?>
-<p:sldLayout xmlns:a="http://schemas.openxmlformats.org/drawingml/2006/main" xmlns:r="http://schemas.openxmlformats.org/officeDocument/2006/relationships" xmlns:p="http://schemas.openxmlformats.org/presentationml/2006/main" type="vertTx" preserve="1">
-  <p:cSld name="Заголовок и вертикальный текст">
-    <p:spTree>
-      <p:nvGrpSpPr>
-        <p:cNvPr id="1" name=""/>
-        <p:cNvGrpSpPr/>
-        <p:nvPr/>
-      </p:nvGrpSpPr>
-      <p:grpSpPr>
-        <a:xfrm>
-          <a:off x="0" y="0"/>
-          <a:ext cx="0" cy="0"/>
-          <a:chOff x="0" y="0"/>
-          <a:chExt cx="0" cy="0"/>
-        </a:xfrm>
-      </p:grpSpPr>
-      <p:sp>
-        <p:nvSpPr>
-          <p:cNvPr id="2" name="Title 1"/>
-          <p:cNvSpPr>
-            <a:spLocks noGrp="1"/>
-          </p:cNvSpPr>
-          <p:nvPr>
-            <p:ph type="title"/>
-          </p:nvPr>
-        </p:nvSpPr>
-        <p:spPr/>
-        <p:txBody>
-          <a:bodyPr/>
-          <a:lstStyle/>
-          <a:p>
-            <a:r>
-              <a:rPr lang="ru-RU" smtClean="0"/>
-              <a:t>Образец заголовка</a:t>
-            </a:r>
-            <a:endParaRPr lang="en-US" dirty="0"/>
-          </a:p>
-        </p:txBody>
-      </p:sp>
-      <p:sp>
-        <p:nvSpPr>
-          <p:cNvPr id="3" name="Vertical Text Placeholder 2"/>
-          <p:cNvSpPr>
-            <a:spLocks noGrp="1"/>
-          </p:cNvSpPr>
-          <p:nvPr>
-            <p:ph type="body" orient="vert" idx="1"/>
-          </p:nvPr>
-        </p:nvSpPr>
-        <p:spPr/>
-        <p:txBody>
-          <a:bodyPr vert="eaVert" lIns="45720" tIns="0" rIns="45720" bIns="0"/>
-          <a:lstStyle/>
-          <a:p>
-            <a:pPr lvl="0"/>
-            <a:r>
-              <a:rPr lang="ru-RU" smtClean="0"/>
-              <a:t>Образец текста</a:t>
-            </a:r>
-          </a:p>
-          <a:p>
-            <a:pPr lvl="1"/>
-            <a:r>
-              <a:rPr lang="ru-RU" smtClean="0"/>
-              <a:t>Второй уровень</a:t>
-            </a:r>
-          </a:p>
-          <a:p>
-            <a:pPr lvl="2"/>
-            <a:r>
-              <a:rPr lang="ru-RU" smtClean="0"/>
-              <a:t>Третий уровень</a:t>
-            </a:r>
-          </a:p>
-          <a:p>
-            <a:pPr lvl="3"/>
-            <a:r>
-              <a:rPr lang="ru-RU" smtClean="0"/>
-              <a:t>Четвертый уровень</a:t>
-            </a:r>
-          </a:p>
-          <a:p>
-            <a:pPr lvl="4"/>
-            <a:r>
-              <a:rPr lang="ru-RU" smtClean="0"/>
-              <a:t>Пятый уровень</a:t>
-            </a:r>
-            <a:endParaRPr lang="en-US" dirty="0"/>
-          </a:p>
-        </p:txBody>
-      </p:sp>
-      <p:sp>
-        <p:nvSpPr>
-          <p:cNvPr id="4" name="Date Placeholder 3"/>
-          <p:cNvSpPr>
-            <a:spLocks noGrp="1"/>
-          </p:cNvSpPr>
-          <p:nvPr>
-            <p:ph type="dt" sz="half" idx="10"/>
-          </p:nvPr>
-        </p:nvSpPr>
-        <p:spPr/>
-        <p:txBody>
-          <a:bodyPr/>
-          <a:lstStyle/>
-          <a:p>
-            <a:fld id="{8CDF6DD9-239A-4B52-B7CF-6832274B70F6}" type="datetime1">
-              <a:rPr lang="ru-RU" smtClean="0"/>
-              <a:t>07.06.2017</a:t>
-            </a:fld>
-            <a:endParaRPr lang="ru-RU"/>
-          </a:p>
-        </p:txBody>
-      </p:sp>
-      <p:sp>
-        <p:nvSpPr>
-          <p:cNvPr id="5" name="Footer Placeholder 4"/>
-          <p:cNvSpPr>
-            <a:spLocks noGrp="1"/>
-          </p:cNvSpPr>
-          <p:nvPr>
-            <p:ph type="ftr" sz="quarter" idx="11"/>
-          </p:nvPr>
-        </p:nvSpPr>
-        <p:spPr/>
-        <p:txBody>
-          <a:bodyPr/>
-          <a:lstStyle/>
-          <a:p>
-            <a:r>
-              <a:rPr lang="ru-RU" smtClean="0"/>
-              <a:t>Кафедра 24. "Компьютерный практикум по прикладной ядерной физике: Geant4"</a:t>
-            </a:r>
-            <a:endParaRPr lang="ru-RU"/>
-          </a:p>
-        </p:txBody>
-      </p:sp>
-      <p:sp>
-        <p:nvSpPr>
-          <p:cNvPr id="6" name="Slide Number Placeholder 5"/>
-          <p:cNvSpPr>
-            <a:spLocks noGrp="1"/>
-          </p:cNvSpPr>
-          <p:nvPr>
-            <p:ph type="sldNum" sz="quarter" idx="12"/>
-          </p:nvPr>
-        </p:nvSpPr>
-        <p:spPr/>
-        <p:txBody>
-          <a:bodyPr/>
-          <a:lstStyle/>
-          <a:p>
-            <a:fld id="{9DED66CF-9493-49B8-B7E5-6D7AD26B7BBE}" type="slidenum">
-              <a:rPr lang="ru-RU" smtClean="0"/>
-              <a:t>‹#›</a:t>
-            </a:fld>
-            <a:endParaRPr lang="ru-RU"/>
-          </a:p>
-        </p:txBody>
-      </p:sp>
-    </p:spTree>
-    <p:extLst>
-      <p:ext uri="{BB962C8B-B14F-4D97-AF65-F5344CB8AC3E}">
-        <p14:creationId xmlns:p14="http://schemas.microsoft.com/office/powerpoint/2010/main" val="122580388"/>
-      </p:ext>
-    </p:extLst>
-  </p:cSld>
-  <p:clrMapOvr>
-    <a:masterClrMapping/>
-  </p:clrMapOvr>
-</p:sldLayout>
-</file>
-
-<file path=ppt/slideLayouts/slideLayout11.xml><?xml version="1.0" encoding="utf-8"?>
-<p:sldLayout xmlns:a="http://schemas.openxmlformats.org/drawingml/2006/main" xmlns:r="http://schemas.openxmlformats.org/officeDocument/2006/relationships" xmlns:p="http://schemas.openxmlformats.org/presentationml/2006/main" showMasterSp="0" type="vertTitleAndTx" preserve="1">
-  <p:cSld name="Вертикальный заголовок и текст">
-    <p:spTree>
-      <p:nvGrpSpPr>
-        <p:cNvPr id="1" name=""/>
-        <p:cNvGrpSpPr/>
-        <p:nvPr/>
-      </p:nvGrpSpPr>
-      <p:grpSpPr>
-        <a:xfrm>
-          <a:off x="0" y="0"/>
-          <a:ext cx="0" cy="0"/>
-          <a:chOff x="0" y="0"/>
-          <a:chExt cx="0" cy="0"/>
-        </a:xfrm>
-      </p:grpSpPr>
-      <p:sp>
-        <p:nvSpPr>
-          <p:cNvPr id="7" name="Rectangle 6"/>
-          <p:cNvSpPr/>
-          <p:nvPr/>
-        </p:nvSpPr>
-        <p:spPr>
-          <a:xfrm>
-            <a:off x="3177" y="6400800"/>
-            <a:ext cx="12188825" cy="457200"/>
-          </a:xfrm>
-          <a:prstGeom prst="rect">
-            <a:avLst/>
-          </a:prstGeom>
-          <a:solidFill>
-            <a:schemeClr val="accent2"/>
-          </a:solidFill>
-          <a:ln>
-            <a:noFill/>
-          </a:ln>
-        </p:spPr>
-        <p:style>
-          <a:lnRef idx="2">
-            <a:schemeClr val="accent1">
-              <a:shade val="50000"/>
-            </a:schemeClr>
-          </a:lnRef>
-          <a:fillRef idx="1">
-            <a:schemeClr val="accent1"/>
-          </a:fillRef>
-          <a:effectRef idx="0">
-            <a:schemeClr val="accent1"/>
-          </a:effectRef>
-          <a:fontRef idx="minor">
-            <a:schemeClr val="lt1"/>
-          </a:fontRef>
-        </p:style>
-      </p:sp>
-      <p:sp>
-        <p:nvSpPr>
-          <p:cNvPr id="8" name="Rectangle 7"/>
-          <p:cNvSpPr/>
-          <p:nvPr/>
-        </p:nvSpPr>
-        <p:spPr>
-          <a:xfrm>
-            <a:off x="17" y="6334316"/>
-            <a:ext cx="12188825" cy="64008"/>
-          </a:xfrm>
-          <a:prstGeom prst="rect">
-            <a:avLst/>
-          </a:prstGeom>
-          <a:solidFill>
-            <a:schemeClr val="accent1"/>
-          </a:solidFill>
-          <a:ln>
-            <a:noFill/>
-          </a:ln>
-        </p:spPr>
-        <p:style>
-          <a:lnRef idx="2">
-            <a:schemeClr val="accent1">
-              <a:shade val="50000"/>
-            </a:schemeClr>
-          </a:lnRef>
-          <a:fillRef idx="1">
-            <a:schemeClr val="accent1"/>
-          </a:fillRef>
-          <a:effectRef idx="0">
-            <a:schemeClr val="accent1"/>
-          </a:effectRef>
-          <a:fontRef idx="minor">
-            <a:schemeClr val="lt1"/>
-          </a:fontRef>
-        </p:style>
-      </p:sp>
-      <p:sp>
-        <p:nvSpPr>
-          <p:cNvPr id="2" name="Vertical Title 1"/>
-          <p:cNvSpPr>
-            <a:spLocks noGrp="1"/>
-          </p:cNvSpPr>
-          <p:nvPr>
-            <p:ph type="title" orient="vert"/>
-          </p:nvPr>
-        </p:nvSpPr>
-        <p:spPr>
-          <a:xfrm>
-            <a:off x="8724902" y="412303"/>
-            <a:ext cx="2628900" cy="5759898"/>
-          </a:xfrm>
-        </p:spPr>
-        <p:txBody>
-          <a:bodyPr vert="eaVert"/>
-          <a:lstStyle/>
-          <a:p>
-            <a:r>
-              <a:rPr lang="ru-RU" smtClean="0"/>
-              <a:t>Образец заголовка</a:t>
-            </a:r>
-            <a:endParaRPr lang="en-US" dirty="0"/>
-          </a:p>
-        </p:txBody>
-      </p:sp>
-      <p:sp>
-        <p:nvSpPr>
-          <p:cNvPr id="3" name="Vertical Text Placeholder 2"/>
-          <p:cNvSpPr>
-            <a:spLocks noGrp="1"/>
-          </p:cNvSpPr>
-          <p:nvPr>
-            <p:ph type="body" orient="vert" idx="1"/>
-          </p:nvPr>
-        </p:nvSpPr>
-        <p:spPr>
-          <a:xfrm>
-            <a:off x="838201" y="412303"/>
-            <a:ext cx="7734299" cy="5759898"/>
-          </a:xfrm>
-        </p:spPr>
-        <p:txBody>
-          <a:bodyPr vert="eaVert" lIns="45720" tIns="0" rIns="45720" bIns="0"/>
-          <a:lstStyle/>
-          <a:p>
-            <a:pPr lvl="0"/>
-            <a:r>
-              <a:rPr lang="ru-RU" smtClean="0"/>
-              <a:t>Образец текста</a:t>
-            </a:r>
-          </a:p>
-          <a:p>
-            <a:pPr lvl="1"/>
-            <a:r>
-              <a:rPr lang="ru-RU" smtClean="0"/>
-              <a:t>Второй уровень</a:t>
-            </a:r>
-          </a:p>
-          <a:p>
-            <a:pPr lvl="2"/>
-            <a:r>
-              <a:rPr lang="ru-RU" smtClean="0"/>
-              <a:t>Третий уровень</a:t>
-            </a:r>
-          </a:p>
-          <a:p>
-            <a:pPr lvl="3"/>
-            <a:r>
-              <a:rPr lang="ru-RU" smtClean="0"/>
-              <a:t>Четвертый уровень</a:t>
-            </a:r>
-          </a:p>
-          <a:p>
-            <a:pPr lvl="4"/>
-            <a:r>
-              <a:rPr lang="ru-RU" smtClean="0"/>
-              <a:t>Пятый уровень</a:t>
-            </a:r>
-            <a:endParaRPr lang="en-US" dirty="0"/>
-          </a:p>
-        </p:txBody>
-      </p:sp>
-      <p:sp>
-        <p:nvSpPr>
-          <p:cNvPr id="4" name="Date Placeholder 3"/>
-          <p:cNvSpPr>
-            <a:spLocks noGrp="1"/>
-          </p:cNvSpPr>
-          <p:nvPr>
-            <p:ph type="dt" sz="half" idx="10"/>
-          </p:nvPr>
-        </p:nvSpPr>
-        <p:spPr/>
-        <p:txBody>
-          <a:bodyPr/>
-          <a:lstStyle/>
-          <a:p>
-            <a:fld id="{8725D579-EA45-4D23-B6AF-D0F2D4618A1C}" type="datetime1">
-              <a:rPr lang="ru-RU" smtClean="0"/>
-              <a:t>07.06.2017</a:t>
-            </a:fld>
-            <a:endParaRPr lang="ru-RU"/>
-          </a:p>
-        </p:txBody>
-      </p:sp>
-      <p:sp>
-        <p:nvSpPr>
-          <p:cNvPr id="5" name="Footer Placeholder 4"/>
-          <p:cNvSpPr>
-            <a:spLocks noGrp="1"/>
-          </p:cNvSpPr>
-          <p:nvPr>
-            <p:ph type="ftr" sz="quarter" idx="11"/>
-          </p:nvPr>
-        </p:nvSpPr>
-        <p:spPr/>
-        <p:txBody>
-          <a:bodyPr/>
-          <a:lstStyle/>
-          <a:p>
-            <a:r>
-              <a:rPr lang="ru-RU" smtClean="0"/>
-              <a:t>Кафедра 24. "Компьютерный практикум по прикладной ядерной физике: Geant4"</a:t>
-            </a:r>
-            <a:endParaRPr lang="ru-RU"/>
-          </a:p>
-        </p:txBody>
-      </p:sp>
-      <p:sp>
-        <p:nvSpPr>
-          <p:cNvPr id="6" name="Slide Number Placeholder 5"/>
-          <p:cNvSpPr>
-            <a:spLocks noGrp="1"/>
-          </p:cNvSpPr>
-          <p:nvPr>
-            <p:ph type="sldNum" sz="quarter" idx="12"/>
-          </p:nvPr>
-        </p:nvSpPr>
-        <p:spPr/>
-        <p:txBody>
-          <a:bodyPr/>
-          <a:lstStyle/>
-          <a:p>
-            <a:fld id="{9DED66CF-9493-49B8-B7E5-6D7AD26B7BBE}" type="slidenum">
-              <a:rPr lang="ru-RU" smtClean="0"/>
-              <a:t>‹#›</a:t>
-            </a:fld>
-            <a:endParaRPr lang="ru-RU"/>
-          </a:p>
-        </p:txBody>
-      </p:sp>
-    </p:spTree>
-    <p:extLst>
-      <p:ext uri="{BB962C8B-B14F-4D97-AF65-F5344CB8AC3E}">
-        <p14:creationId xmlns:p14="http://schemas.microsoft.com/office/powerpoint/2010/main" val="2242674417"/>
-      </p:ext>
-    </p:extLst>
-  </p:cSld>
-  <p:clrMapOvr>
-    <a:masterClrMapping/>
-  </p:clrMapOvr>
-</p:sldLayout>
-</file>
-
-<file path=ppt/slideLayouts/slideLayout12.xml><?xml version="1.0" encoding="utf-8"?>
-<p:sldLayout xmlns:a="http://schemas.openxmlformats.org/drawingml/2006/main" xmlns:r="http://schemas.openxmlformats.org/officeDocument/2006/relationships" xmlns:p="http://schemas.openxmlformats.org/presentationml/2006/main" type="tx">
-  <p:cSld name="1_Титульный слайд">
-    <p:spTree>
-      <p:nvGrpSpPr>
-        <p:cNvPr id="1" name=""/>
-        <p:cNvGrpSpPr/>
-        <p:nvPr/>
-      </p:nvGrpSpPr>
-      <p:grpSpPr>
-        <a:xfrm>
-          <a:off x="0" y="0"/>
-          <a:ext cx="0" cy="0"/>
-          <a:chOff x="0" y="0"/>
-          <a:chExt cx="0" cy="0"/>
-        </a:xfrm>
-      </p:grpSpPr>
-      <p:sp>
-        <p:nvSpPr>
-          <p:cNvPr id="5" name="PlaceHolder 1"/>
-          <p:cNvSpPr>
-            <a:spLocks noGrp="1"/>
-          </p:cNvSpPr>
-          <p:nvPr>
-            <p:ph type="title"/>
-          </p:nvPr>
-        </p:nvSpPr>
-        <p:spPr>
-          <a:xfrm>
-            <a:off x="609562" y="273352"/>
-            <a:ext cx="10971684" cy="1145009"/>
-          </a:xfrm>
-          <a:prstGeom prst="rect">
-            <a:avLst/>
-          </a:prstGeom>
-        </p:spPr>
-        <p:txBody>
-          <a:bodyPr lIns="0" tIns="0" rIns="0" bIns="0" anchor="ctr"/>
-          <a:lstStyle/>
-          <a:p>
-            <a:pPr algn="ctr"/>
-            <a:r>
-              <a:rPr lang="ru-RU" sz="3992" b="0" strike="noStrike" spc="-1" smtClean="0">
-                <a:solidFill>
-                  <a:srgbClr val="000000"/>
-                </a:solidFill>
-                <a:uFill>
-                  <a:solidFill>
-                    <a:srgbClr val="FFFFFF"/>
-                  </a:solidFill>
-                </a:uFill>
-                <a:latin typeface="Arial"/>
-              </a:rPr>
-              <a:t>Образец заголовка</a:t>
-            </a:r>
-            <a:endParaRPr lang="ru-RU" sz="3992" b="0" strike="noStrike" spc="-1">
-              <a:solidFill>
-                <a:srgbClr val="000000"/>
-              </a:solidFill>
-              <a:uFill>
-                <a:solidFill>
-                  <a:srgbClr val="FFFFFF"/>
-                </a:solidFill>
-              </a:uFill>
-              <a:latin typeface="Arial"/>
-            </a:endParaRPr>
-          </a:p>
-        </p:txBody>
-      </p:sp>
-      <p:sp>
-        <p:nvSpPr>
-          <p:cNvPr id="6" name="PlaceHolder 2"/>
-          <p:cNvSpPr>
-            <a:spLocks noGrp="1"/>
-          </p:cNvSpPr>
-          <p:nvPr>
-            <p:ph type="subTitle"/>
-          </p:nvPr>
-        </p:nvSpPr>
-        <p:spPr>
-          <a:xfrm>
-            <a:off x="609562" y="1604841"/>
-            <a:ext cx="10971684" cy="3977484"/>
-          </a:xfrm>
-          <a:prstGeom prst="rect">
-            <a:avLst/>
-          </a:prstGeom>
-        </p:spPr>
-        <p:txBody>
-          <a:bodyPr lIns="0" tIns="0" rIns="0" bIns="0" anchor="ctr"/>
-          <a:lstStyle/>
-          <a:p>
-            <a:pPr algn="ctr"/>
-            <a:r>
-              <a:rPr lang="ru-RU" sz="2903" b="0" strike="noStrike" spc="-1" smtClean="0">
-                <a:solidFill>
-                  <a:srgbClr val="000000"/>
-                </a:solidFill>
-                <a:uFill>
-                  <a:solidFill>
-                    <a:srgbClr val="FFFFFF"/>
-                  </a:solidFill>
-                </a:uFill>
-                <a:latin typeface="Arial"/>
-              </a:rPr>
-              <a:t>Образец подзаголовка</a:t>
-            </a:r>
-            <a:endParaRPr lang="ru-RU" sz="2903" b="0" strike="noStrike" spc="-1">
-              <a:solidFill>
-                <a:srgbClr val="000000"/>
-              </a:solidFill>
-              <a:uFill>
-                <a:solidFill>
-                  <a:srgbClr val="FFFFFF"/>
-                </a:solidFill>
-              </a:uFill>
-              <a:latin typeface="Arial"/>
-            </a:endParaRPr>
-          </a:p>
-        </p:txBody>
-      </p:sp>
-    </p:spTree>
-    <p:extLst>
-      <p:ext uri="{BB962C8B-B14F-4D97-AF65-F5344CB8AC3E}">
-        <p14:creationId xmlns:p14="http://schemas.microsoft.com/office/powerpoint/2010/main" val="1587536467"/>
-      </p:ext>
-    </p:extLst>
-  </p:cSld>
-  <p:clrMapOvr>
-    <a:masterClrMapping/>
-  </p:clrMapOvr>
-</p:sldLayout>
-</file>
-
-<file path=ppt/slideLayouts/slideLayout2.xml><?xml version="1.0" encoding="utf-8"?>
-<p:sldLayout xmlns:a="http://schemas.openxmlformats.org/drawingml/2006/main" xmlns:r="http://schemas.openxmlformats.org/officeDocument/2006/relationships" xmlns:p="http://schemas.openxmlformats.org/presentationml/2006/main" type="obj" preserve="1">
-  <p:cSld name="Заголовок и объект">
-    <p:spTree>
-      <p:nvGrpSpPr>
-        <p:cNvPr id="1" name=""/>
-        <p:cNvGrpSpPr/>
-        <p:nvPr/>
-      </p:nvGrpSpPr>
-      <p:grpSpPr>
-        <a:xfrm>
-          <a:off x="0" y="0"/>
-          <a:ext cx="0" cy="0"/>
-          <a:chOff x="0" y="0"/>
-          <a:chExt cx="0" cy="0"/>
-        </a:xfrm>
-      </p:grpSpPr>
-      <p:sp>
-        <p:nvSpPr>
-          <p:cNvPr id="2" name="Title 1"/>
-          <p:cNvSpPr>
-            <a:spLocks noGrp="1"/>
-          </p:cNvSpPr>
-          <p:nvPr>
-            <p:ph type="title"/>
-          </p:nvPr>
-        </p:nvSpPr>
-        <p:spPr/>
-        <p:txBody>
-          <a:bodyPr/>
-          <a:lstStyle/>
-          <a:p>
-            <a:r>
-              <a:rPr lang="ru-RU" smtClean="0"/>
-              <a:t>Образец заголовка</a:t>
-            </a:r>
-            <a:endParaRPr lang="en-US" dirty="0"/>
-          </a:p>
-        </p:txBody>
-      </p:sp>
-      <p:sp>
-        <p:nvSpPr>
-          <p:cNvPr id="3" name="Content Placeholder 2"/>
-          <p:cNvSpPr>
-            <a:spLocks noGrp="1"/>
-          </p:cNvSpPr>
-          <p:nvPr>
-            <p:ph idx="1"/>
-          </p:nvPr>
-        </p:nvSpPr>
-        <p:spPr/>
-        <p:txBody>
-          <a:bodyPr/>
-          <a:lstStyle/>
-          <a:p>
-            <a:pPr lvl="0"/>
-            <a:r>
-              <a:rPr lang="ru-RU" smtClean="0"/>
-              <a:t>Образец текста</a:t>
-            </a:r>
-          </a:p>
-          <a:p>
-            <a:pPr lvl="1"/>
-            <a:r>
-              <a:rPr lang="ru-RU" smtClean="0"/>
-              <a:t>Второй уровень</a:t>
-            </a:r>
-          </a:p>
-          <a:p>
-            <a:pPr lvl="2"/>
-            <a:r>
-              <a:rPr lang="ru-RU" smtClean="0"/>
-              <a:t>Третий уровень</a:t>
-            </a:r>
-          </a:p>
-          <a:p>
-            <a:pPr lvl="3"/>
-            <a:r>
-              <a:rPr lang="ru-RU" smtClean="0"/>
-              <a:t>Четвертый уровень</a:t>
-            </a:r>
-          </a:p>
-          <a:p>
-            <a:pPr lvl="4"/>
-            <a:r>
-              <a:rPr lang="ru-RU" smtClean="0"/>
-              <a:t>Пятый уровень</a:t>
-            </a:r>
-            <a:endParaRPr lang="en-US" dirty="0"/>
-          </a:p>
-        </p:txBody>
-      </p:sp>
-      <p:sp>
-        <p:nvSpPr>
-          <p:cNvPr id="4" name="Date Placeholder 3"/>
-          <p:cNvSpPr>
-            <a:spLocks noGrp="1"/>
-          </p:cNvSpPr>
-          <p:nvPr>
-            <p:ph type="dt" sz="half" idx="10"/>
-          </p:nvPr>
-        </p:nvSpPr>
-        <p:spPr/>
-        <p:txBody>
-          <a:bodyPr/>
-          <a:lstStyle/>
-          <a:p>
-            <a:fld id="{C10296D6-56D3-4ABB-9B12-D55C9C9511C6}" type="datetime1">
-              <a:rPr lang="ru-RU" smtClean="0"/>
-              <a:t>07.06.2017</a:t>
-            </a:fld>
-            <a:endParaRPr lang="ru-RU"/>
-          </a:p>
-        </p:txBody>
-      </p:sp>
-      <p:sp>
-        <p:nvSpPr>
-          <p:cNvPr id="5" name="Footer Placeholder 4"/>
-          <p:cNvSpPr>
-            <a:spLocks noGrp="1"/>
-          </p:cNvSpPr>
-          <p:nvPr>
-            <p:ph type="ftr" sz="quarter" idx="11"/>
-          </p:nvPr>
-        </p:nvSpPr>
-        <p:spPr/>
-        <p:txBody>
-          <a:bodyPr/>
-          <a:lstStyle/>
-          <a:p>
-            <a:r>
-              <a:rPr lang="ru-RU" smtClean="0"/>
-              <a:t>Кафедра 24. "Компьютерный практикум по прикладной ядерной физике: Geant4"</a:t>
-            </a:r>
-            <a:endParaRPr lang="ru-RU"/>
-          </a:p>
-        </p:txBody>
-      </p:sp>
-      <p:sp>
-        <p:nvSpPr>
-          <p:cNvPr id="6" name="Slide Number Placeholder 5"/>
-          <p:cNvSpPr>
-            <a:spLocks noGrp="1"/>
-          </p:cNvSpPr>
-          <p:nvPr>
-            <p:ph type="sldNum" sz="quarter" idx="12"/>
-          </p:nvPr>
-        </p:nvSpPr>
-        <p:spPr/>
-        <p:txBody>
-          <a:bodyPr/>
-          <a:lstStyle/>
-          <a:p>
-            <a:fld id="{9DED66CF-9493-49B8-B7E5-6D7AD26B7BBE}" type="slidenum">
-              <a:rPr lang="ru-RU" smtClean="0"/>
-              <a:t>‹#›</a:t>
-            </a:fld>
-            <a:endParaRPr lang="ru-RU"/>
-          </a:p>
-        </p:txBody>
-      </p:sp>
-      <p:cxnSp>
-        <p:nvCxnSpPr>
-          <p:cNvPr id="9" name="Прямая соединительная линия 8"/>
-          <p:cNvCxnSpPr/>
-          <p:nvPr/>
-        </p:nvCxnSpPr>
-        <p:spPr>
-          <a:xfrm>
-            <a:off x="1200150" y="1737362"/>
-            <a:ext cx="9853613" cy="0"/>
-          </a:xfrm>
-          <a:prstGeom prst="line">
-            <a:avLst/>
-          </a:prstGeom>
-        </p:spPr>
-        <p:style>
-          <a:lnRef idx="1">
-            <a:schemeClr val="dk1"/>
-          </a:lnRef>
-          <a:fillRef idx="0">
-            <a:schemeClr val="dk1"/>
-          </a:fillRef>
-          <a:effectRef idx="0">
-            <a:schemeClr val="dk1"/>
-          </a:effectRef>
-          <a:fontRef idx="minor">
-            <a:schemeClr val="tx1"/>
-          </a:fontRef>
-        </p:style>
-      </p:cxnSp>
-    </p:spTree>
-    <p:extLst>
-      <p:ext uri="{BB962C8B-B14F-4D97-AF65-F5344CB8AC3E}">
-        <p14:creationId xmlns:p14="http://schemas.microsoft.com/office/powerpoint/2010/main" val="941507340"/>
-      </p:ext>
-    </p:extLst>
-  </p:cSld>
-  <p:clrMapOvr>
-    <a:masterClrMapping/>
-  </p:clrMapOvr>
-</p:sldLayout>
-</file>
-
-<file path=ppt/slideLayouts/slideLayout3.xml><?xml version="1.0" encoding="utf-8"?>
-<p:sldLayout xmlns:a="http://schemas.openxmlformats.org/drawingml/2006/main" xmlns:r="http://schemas.openxmlformats.org/officeDocument/2006/relationships" xmlns:p="http://schemas.openxmlformats.org/presentationml/2006/main" showMasterSp="0" type="secHead" preserve="1">
-  <p:cSld name="Заголовок раздела">
-    <p:bg>
-      <p:bgPr>
-        <a:solidFill>
-          <a:schemeClr val="bg1"/>
-        </a:solidFill>
-        <a:effectLst/>
-      </p:bgPr>
-    </p:bg>
-    <p:spTree>
-      <p:nvGrpSpPr>
-        <p:cNvPr id="1" name=""/>
-        <p:cNvGrpSpPr/>
-        <p:nvPr/>
-      </p:nvGrpSpPr>
-      <p:grpSpPr>
-        <a:xfrm>
-          <a:off x="0" y="0"/>
-          <a:ext cx="0" cy="0"/>
-          <a:chOff x="0" y="0"/>
-          <a:chExt cx="0" cy="0"/>
-        </a:xfrm>
-      </p:grpSpPr>
-      <p:sp>
-        <p:nvSpPr>
-          <p:cNvPr id="7" name="Rectangle 6"/>
-          <p:cNvSpPr/>
-          <p:nvPr/>
-        </p:nvSpPr>
-        <p:spPr>
-          <a:xfrm>
-            <a:off x="3177" y="6400800"/>
-            <a:ext cx="12188825" cy="457200"/>
-          </a:xfrm>
-          <a:prstGeom prst="rect">
-            <a:avLst/>
-          </a:prstGeom>
-          <a:solidFill>
-            <a:schemeClr val="accent2"/>
-          </a:solidFill>
-          <a:ln>
-            <a:noFill/>
-          </a:ln>
-        </p:spPr>
-        <p:style>
-          <a:lnRef idx="2">
-            <a:schemeClr val="accent1">
-              <a:shade val="50000"/>
-            </a:schemeClr>
-          </a:lnRef>
-          <a:fillRef idx="1">
-            <a:schemeClr val="accent1"/>
-          </a:fillRef>
-          <a:effectRef idx="0">
-            <a:schemeClr val="accent1"/>
-          </a:effectRef>
-          <a:fontRef idx="minor">
-            <a:schemeClr val="lt1"/>
-          </a:fontRef>
-        </p:style>
-      </p:sp>
-      <p:sp>
-        <p:nvSpPr>
-          <p:cNvPr id="8" name="Rectangle 7"/>
-          <p:cNvSpPr/>
-          <p:nvPr/>
-        </p:nvSpPr>
-        <p:spPr>
-          <a:xfrm>
-            <a:off x="17" y="6334316"/>
-            <a:ext cx="12188825" cy="64008"/>
-          </a:xfrm>
-          <a:prstGeom prst="rect">
-            <a:avLst/>
-          </a:prstGeom>
-          <a:solidFill>
-            <a:schemeClr val="accent1"/>
-          </a:solidFill>
-          <a:ln>
-            <a:noFill/>
-          </a:ln>
-        </p:spPr>
-        <p:style>
-          <a:lnRef idx="2">
-            <a:schemeClr val="accent1">
-              <a:shade val="50000"/>
-            </a:schemeClr>
-          </a:lnRef>
-          <a:fillRef idx="1">
-            <a:schemeClr val="accent1"/>
-          </a:fillRef>
-          <a:effectRef idx="0">
-            <a:schemeClr val="accent1"/>
-          </a:effectRef>
-          <a:fontRef idx="minor">
-            <a:schemeClr val="lt1"/>
-          </a:fontRef>
-        </p:style>
-      </p:sp>
-      <p:sp>
-        <p:nvSpPr>
-          <p:cNvPr id="2" name="Title 1"/>
-          <p:cNvSpPr>
-            <a:spLocks noGrp="1"/>
-          </p:cNvSpPr>
-          <p:nvPr>
-            <p:ph type="title"/>
-          </p:nvPr>
-        </p:nvSpPr>
-        <p:spPr>
-          <a:xfrm>
-            <a:off x="1097280" y="758952"/>
-            <a:ext cx="10058400" cy="3566160"/>
-          </a:xfrm>
-        </p:spPr>
-        <p:txBody>
-          <a:bodyPr anchor="b" anchorCtr="0">
-            <a:normAutofit/>
-          </a:bodyPr>
-          <a:lstStyle>
-            <a:lvl1pPr>
-              <a:lnSpc>
-                <a:spcPct val="85000"/>
-              </a:lnSpc>
-              <a:defRPr sz="8000" b="0">
-                <a:solidFill>
-                  <a:schemeClr val="tx1">
-                    <a:lumMod val="85000"/>
-                    <a:lumOff val="15000"/>
-                  </a:schemeClr>
-                </a:solidFill>
-              </a:defRPr>
-            </a:lvl1pPr>
-          </a:lstStyle>
-          <a:p>
-            <a:r>
-              <a:rPr lang="ru-RU" smtClean="0"/>
-              <a:t>Образец заголовка</a:t>
-            </a:r>
-            <a:endParaRPr lang="en-US" dirty="0"/>
-          </a:p>
-        </p:txBody>
-      </p:sp>
-      <p:sp>
-        <p:nvSpPr>
-          <p:cNvPr id="3" name="Text Placeholder 2"/>
-          <p:cNvSpPr>
-            <a:spLocks noGrp="1"/>
-          </p:cNvSpPr>
-          <p:nvPr>
-            <p:ph type="body" idx="1"/>
-          </p:nvPr>
-        </p:nvSpPr>
-        <p:spPr>
-          <a:xfrm>
-            <a:off x="1097280" y="4453128"/>
-            <a:ext cx="10058400" cy="1143000"/>
-          </a:xfrm>
-        </p:spPr>
-        <p:txBody>
-          <a:bodyPr lIns="91440" rIns="91440" anchor="t" anchorCtr="0">
-            <a:normAutofit/>
-          </a:bodyPr>
-          <a:lstStyle>
-            <a:lvl1pPr marL="0" indent="0">
-              <a:buNone/>
-              <a:defRPr sz="2400" cap="all" spc="200" baseline="0">
-                <a:solidFill>
-                  <a:schemeClr val="tx2"/>
-                </a:solidFill>
-                <a:latin typeface="+mj-lt"/>
-              </a:defRPr>
-            </a:lvl1pPr>
-            <a:lvl2pPr marL="457203" indent="0">
-              <a:buNone/>
-              <a:defRPr sz="1800">
-                <a:solidFill>
-                  <a:schemeClr val="tx1">
-                    <a:tint val="75000"/>
-                  </a:schemeClr>
-                </a:solidFill>
-              </a:defRPr>
-            </a:lvl2pPr>
-            <a:lvl3pPr marL="914406" indent="0">
-              <a:buNone/>
-              <a:defRPr sz="1600">
-                <a:solidFill>
-                  <a:schemeClr val="tx1">
-                    <a:tint val="75000"/>
-                  </a:schemeClr>
-                </a:solidFill>
-              </a:defRPr>
-            </a:lvl3pPr>
-            <a:lvl4pPr marL="1371609" indent="0">
-              <a:buNone/>
-              <a:defRPr sz="1400">
-                <a:solidFill>
-                  <a:schemeClr val="tx1">
-                    <a:tint val="75000"/>
-                  </a:schemeClr>
-                </a:solidFill>
-              </a:defRPr>
-            </a:lvl4pPr>
-            <a:lvl5pPr marL="1828812" indent="0">
-              <a:buNone/>
-              <a:defRPr sz="1400">
-                <a:solidFill>
-                  <a:schemeClr val="tx1">
-                    <a:tint val="75000"/>
-                  </a:schemeClr>
-                </a:solidFill>
-              </a:defRPr>
-            </a:lvl5pPr>
-            <a:lvl6pPr marL="2286015" indent="0">
-              <a:buNone/>
-              <a:defRPr sz="1400">
-                <a:solidFill>
-                  <a:schemeClr val="tx1">
-                    <a:tint val="75000"/>
-                  </a:schemeClr>
-                </a:solidFill>
-              </a:defRPr>
-            </a:lvl6pPr>
-            <a:lvl7pPr marL="2743218" indent="0">
-              <a:buNone/>
-              <a:defRPr sz="1400">
-                <a:solidFill>
-                  <a:schemeClr val="tx1">
-                    <a:tint val="75000"/>
-                  </a:schemeClr>
-                </a:solidFill>
-              </a:defRPr>
-            </a:lvl7pPr>
-            <a:lvl8pPr marL="3200421" indent="0">
-              <a:buNone/>
-              <a:defRPr sz="1400">
-                <a:solidFill>
-                  <a:schemeClr val="tx1">
-                    <a:tint val="75000"/>
-                  </a:schemeClr>
-                </a:solidFill>
-              </a:defRPr>
-            </a:lvl8pPr>
-            <a:lvl9pPr marL="3657624" indent="0">
-              <a:buNone/>
-              <a:defRPr sz="1400">
-                <a:solidFill>
-                  <a:schemeClr val="tx1">
-                    <a:tint val="75000"/>
-                  </a:schemeClr>
-                </a:solidFill>
-              </a:defRPr>
-            </a:lvl9pPr>
-          </a:lstStyle>
-          <a:p>
-            <a:pPr lvl="0"/>
-            <a:r>
-              <a:rPr lang="ru-RU" smtClean="0"/>
-              <a:t>Образец текста</a:t>
-            </a:r>
-          </a:p>
-        </p:txBody>
-      </p:sp>
-      <p:sp>
-        <p:nvSpPr>
-          <p:cNvPr id="4" name="Date Placeholder 3"/>
-          <p:cNvSpPr>
-            <a:spLocks noGrp="1"/>
-          </p:cNvSpPr>
-          <p:nvPr>
-            <p:ph type="dt" sz="half" idx="10"/>
-          </p:nvPr>
-        </p:nvSpPr>
-        <p:spPr/>
-        <p:txBody>
-          <a:bodyPr/>
-          <a:lstStyle/>
-          <a:p>
-            <a:fld id="{1035B96B-EA8A-40FF-8252-183151A17696}" type="datetime1">
-              <a:rPr lang="ru-RU" smtClean="0"/>
-              <a:t>07.06.2017</a:t>
-            </a:fld>
-            <a:endParaRPr lang="ru-RU"/>
-          </a:p>
-        </p:txBody>
-      </p:sp>
-      <p:sp>
-        <p:nvSpPr>
-          <p:cNvPr id="5" name="Footer Placeholder 4"/>
-          <p:cNvSpPr>
-            <a:spLocks noGrp="1"/>
-          </p:cNvSpPr>
-          <p:nvPr>
-            <p:ph type="ftr" sz="quarter" idx="11"/>
-          </p:nvPr>
-        </p:nvSpPr>
-        <p:spPr/>
-        <p:txBody>
-          <a:bodyPr/>
-          <a:lstStyle/>
-          <a:p>
-            <a:r>
-              <a:rPr lang="ru-RU" smtClean="0"/>
-              <a:t>Кафедра 24. "Компьютерный практикум по прикладной ядерной физике: Geant4"</a:t>
-            </a:r>
-            <a:endParaRPr lang="ru-RU"/>
-          </a:p>
-        </p:txBody>
-      </p:sp>
-      <p:sp>
-        <p:nvSpPr>
-          <p:cNvPr id="6" name="Slide Number Placeholder 5"/>
-          <p:cNvSpPr>
-            <a:spLocks noGrp="1"/>
-          </p:cNvSpPr>
-          <p:nvPr>
-            <p:ph type="sldNum" sz="quarter" idx="12"/>
-          </p:nvPr>
-        </p:nvSpPr>
-        <p:spPr/>
-        <p:txBody>
-          <a:bodyPr/>
-          <a:lstStyle/>
-          <a:p>
-            <a:fld id="{9DED66CF-9493-49B8-B7E5-6D7AD26B7BBE}" type="slidenum">
-              <a:rPr lang="ru-RU" smtClean="0"/>
-              <a:t>‹#›</a:t>
-            </a:fld>
-            <a:endParaRPr lang="ru-RU"/>
-          </a:p>
-        </p:txBody>
-      </p:sp>
-      <p:cxnSp>
-        <p:nvCxnSpPr>
-          <p:cNvPr id="9" name="Straight Connector 8"/>
-          <p:cNvCxnSpPr/>
-          <p:nvPr/>
-        </p:nvCxnSpPr>
-        <p:spPr>
-          <a:xfrm>
-            <a:off x="1207659" y="4343400"/>
-            <a:ext cx="9875520" cy="0"/>
-          </a:xfrm>
-          <a:prstGeom prst="line">
-            <a:avLst/>
-          </a:prstGeom>
-          <a:ln w="6350">
-            <a:solidFill>
-              <a:schemeClr val="tx1">
-                <a:lumMod val="50000"/>
-                <a:lumOff val="50000"/>
-              </a:schemeClr>
-            </a:solidFill>
-          </a:ln>
-        </p:spPr>
-        <p:style>
-          <a:lnRef idx="1">
-            <a:schemeClr val="accent1"/>
-          </a:lnRef>
-          <a:fillRef idx="0">
-            <a:schemeClr val="accent1"/>
-          </a:fillRef>
-          <a:effectRef idx="0">
-            <a:schemeClr val="accent1"/>
-          </a:effectRef>
-          <a:fontRef idx="minor">
-            <a:schemeClr val="tx1"/>
-          </a:fontRef>
-        </p:style>
-      </p:cxnSp>
-    </p:spTree>
-    <p:extLst>
-      <p:ext uri="{BB962C8B-B14F-4D97-AF65-F5344CB8AC3E}">
-        <p14:creationId xmlns:p14="http://schemas.microsoft.com/office/powerpoint/2010/main" val="4007886642"/>
+        <p14:creationId xmlns:p14="http://schemas.microsoft.com/office/powerpoint/2010/main" val="416838040"/>
       </p:ext>
     </p:extLst>
   </p:cSld>
@@ -2171,7 +2177,7 @@
           <a:p>
             <a:fld id="{5E582BDD-8BA7-47BD-8BBE-B1DB24E16DA3}" type="datetime1">
               <a:rPr lang="ru-RU" smtClean="0"/>
-              <a:t>07.06.2017</a:t>
+              <a:t>21.07.2017</a:t>
             </a:fld>
             <a:endParaRPr lang="ru-RU"/>
           </a:p>
@@ -2226,7 +2232,7 @@
     </p:spTree>
     <p:extLst>
       <p:ext uri="{BB962C8B-B14F-4D97-AF65-F5344CB8AC3E}">
-        <p14:creationId xmlns:p14="http://schemas.microsoft.com/office/powerpoint/2010/main" val="4226577791"/>
+        <p14:creationId xmlns:p14="http://schemas.microsoft.com/office/powerpoint/2010/main" val="3425219141"/>
       </p:ext>
     </p:extLst>
   </p:cSld>
@@ -2554,7 +2560,7 @@
           <a:p>
             <a:fld id="{1FBF0ACA-877E-4B8C-93F6-4F855FF2B293}" type="datetime1">
               <a:rPr lang="ru-RU" smtClean="0"/>
-              <a:t>07.06.2017</a:t>
+              <a:t>21.07.2017</a:t>
             </a:fld>
             <a:endParaRPr lang="ru-RU"/>
           </a:p>
@@ -2609,7 +2615,7 @@
     </p:spTree>
     <p:extLst>
       <p:ext uri="{BB962C8B-B14F-4D97-AF65-F5344CB8AC3E}">
-        <p14:creationId xmlns:p14="http://schemas.microsoft.com/office/powerpoint/2010/main" val="945959891"/>
+        <p14:creationId xmlns:p14="http://schemas.microsoft.com/office/powerpoint/2010/main" val="4042592412"/>
       </p:ext>
     </p:extLst>
   </p:cSld>
@@ -2636,32 +2642,6 @@
           <a:chExt cx="0" cy="0"/>
         </a:xfrm>
       </p:grpSpPr>
-      <p:pic>
-        <p:nvPicPr>
-          <p:cNvPr id="6" name="Рисунок 5"/>
-          <p:cNvPicPr>
-            <a:picLocks noChangeAspect="1"/>
-          </p:cNvPicPr>
-          <p:nvPr/>
-        </p:nvPicPr>
-        <p:blipFill>
-          <a:blip r:embed="rId2">
-            <a:lum bright="70000" contrast="-70000"/>
-          </a:blip>
-          <a:stretch>
-            <a:fillRect/>
-          </a:stretch>
-        </p:blipFill>
-        <p:spPr>
-          <a:xfrm>
-            <a:off x="8639175" y="142875"/>
-            <a:ext cx="3413506" cy="3390900"/>
-          </a:xfrm>
-          <a:prstGeom prst="rect">
-            <a:avLst/>
-          </a:prstGeom>
-        </p:spPr>
-      </p:pic>
       <p:sp>
         <p:nvSpPr>
           <p:cNvPr id="2" name="Title 1"/>
@@ -2702,7 +2682,7 @@
           <a:p>
             <a:fld id="{130DAC3B-3F5C-4EC1-A8D8-5660E2057FAE}" type="datetime1">
               <a:rPr lang="ru-RU" smtClean="0"/>
-              <a:t>07.06.2017</a:t>
+              <a:t>21.07.2017</a:t>
             </a:fld>
             <a:endParaRPr lang="ru-RU"/>
           </a:p>
@@ -2787,7 +2767,7 @@
     </p:spTree>
     <p:extLst>
       <p:ext uri="{BB962C8B-B14F-4D97-AF65-F5344CB8AC3E}">
-        <p14:creationId xmlns:p14="http://schemas.microsoft.com/office/powerpoint/2010/main" val="1079979808"/>
+        <p14:creationId xmlns:p14="http://schemas.microsoft.com/office/powerpoint/2010/main" val="910553817"/>
       </p:ext>
     </p:extLst>
   </p:cSld>
@@ -2907,7 +2887,7 @@
           <a:p>
             <a:fld id="{F45FED5F-BC76-4A4E-90BE-4CA6BCB5161D}" type="datetime1">
               <a:rPr lang="ru-RU" smtClean="0"/>
-              <a:t>07.06.2017</a:t>
+              <a:t>21.07.2017</a:t>
             </a:fld>
             <a:endParaRPr lang="ru-RU"/>
           </a:p>
@@ -2969,15 +2949,19 @@
       </p:sp>
       <p:pic>
         <p:nvPicPr>
-          <p:cNvPr id="10" name="Рисунок 9"/>
+          <p:cNvPr id="4" name="Рисунок 3"/>
           <p:cNvPicPr>
             <a:picLocks noChangeAspect="1"/>
           </p:cNvPicPr>
           <p:nvPr/>
         </p:nvPicPr>
         <p:blipFill>
-          <a:blip r:embed="rId2">
-            <a:lum bright="70000" contrast="-70000"/>
+          <a:blip r:embed="rId2" cstate="print">
+            <a:extLst>
+              <a:ext uri="{28A0092B-C50C-407E-A947-70E740481C1C}">
+                <a14:useLocalDpi xmlns:a14="http://schemas.microsoft.com/office/drawing/2010/main" val="0"/>
+              </a:ext>
+            </a:extLst>
           </a:blip>
           <a:stretch>
             <a:fillRect/>
@@ -2985,8 +2969,8 @@
         </p:blipFill>
         <p:spPr>
           <a:xfrm>
-            <a:off x="8639175" y="142875"/>
-            <a:ext cx="3413506" cy="3390900"/>
+            <a:off x="9594989" y="0"/>
+            <a:ext cx="2593853" cy="2642621"/>
           </a:xfrm>
           <a:prstGeom prst="rect">
             <a:avLst/>
@@ -2996,7 +2980,7 @@
     </p:spTree>
     <p:extLst>
       <p:ext uri="{BB962C8B-B14F-4D97-AF65-F5344CB8AC3E}">
-        <p14:creationId xmlns:p14="http://schemas.microsoft.com/office/powerpoint/2010/main" val="3173564003"/>
+        <p14:creationId xmlns:p14="http://schemas.microsoft.com/office/powerpoint/2010/main" val="2339752904"/>
       </p:ext>
     </p:extLst>
   </p:cSld>
@@ -3291,7 +3275,7 @@
           <a:p>
             <a:fld id="{DEEF0290-81EB-4914-9F7C-49D1B52BA69C}" type="datetime1">
               <a:rPr lang="ru-RU" smtClean="0"/>
-              <a:t>07.06.2017</a:t>
+              <a:t>21.07.2017</a:t>
             </a:fld>
             <a:endParaRPr lang="ru-RU"/>
           </a:p>
@@ -3367,7 +3351,7 @@
     </p:spTree>
     <p:extLst>
       <p:ext uri="{BB962C8B-B14F-4D97-AF65-F5344CB8AC3E}">
-        <p14:creationId xmlns:p14="http://schemas.microsoft.com/office/powerpoint/2010/main" val="206385059"/>
+        <p14:creationId xmlns:p14="http://schemas.microsoft.com/office/powerpoint/2010/main" val="77780007"/>
       </p:ext>
     </p:extLst>
   </p:cSld>
@@ -3672,7 +3656,7 @@
           <a:p>
             <a:fld id="{C48335F4-8E44-4AC7-B809-AED5676EF4CF}" type="datetime1">
               <a:rPr lang="ru-RU" smtClean="0"/>
-              <a:t>07.06.2017</a:t>
+              <a:t>21.07.2017</a:t>
             </a:fld>
             <a:endParaRPr lang="ru-RU"/>
           </a:p>
@@ -3727,7 +3711,7 @@
     </p:spTree>
     <p:extLst>
       <p:ext uri="{BB962C8B-B14F-4D97-AF65-F5344CB8AC3E}">
-        <p14:creationId xmlns:p14="http://schemas.microsoft.com/office/powerpoint/2010/main" val="3824870670"/>
+        <p14:creationId xmlns:p14="http://schemas.microsoft.com/office/powerpoint/2010/main" val="331160329"/>
       </p:ext>
     </p:extLst>
   </p:cSld>
@@ -3759,32 +3743,6 @@
           <a:chExt cx="0" cy="0"/>
         </a:xfrm>
       </p:grpSpPr>
-      <p:pic>
-        <p:nvPicPr>
-          <p:cNvPr id="11" name="Рисунок 10"/>
-          <p:cNvPicPr>
-            <a:picLocks noChangeAspect="1"/>
-          </p:cNvPicPr>
-          <p:nvPr/>
-        </p:nvPicPr>
-        <p:blipFill>
-          <a:blip r:embed="rId14">
-            <a:lum bright="70000" contrast="-70000"/>
-          </a:blip>
-          <a:stretch>
-            <a:fillRect/>
-          </a:stretch>
-        </p:blipFill>
-        <p:spPr>
-          <a:xfrm>
-            <a:off x="10556472" y="54186"/>
-            <a:ext cx="1585303" cy="1574804"/>
-          </a:xfrm>
-          <a:prstGeom prst="rect">
-            <a:avLst/>
-          </a:prstGeom>
-        </p:spPr>
-      </p:pic>
       <p:cxnSp>
         <p:nvCxnSpPr>
           <p:cNvPr id="12" name="Прямая соединительная линия 11"/>
@@ -4019,7 +3977,7 @@
           <a:p>
             <a:fld id="{9AFE3F8F-22CC-4A37-8E23-A8415518EE52}" type="datetime1">
               <a:rPr lang="ru-RU" smtClean="0"/>
-              <a:t>07.06.2017</a:t>
+              <a:t>21.07.2017</a:t>
             </a:fld>
             <a:endParaRPr lang="ru-RU"/>
           </a:p>
@@ -4141,27 +4099,57 @@
           </a:fontRef>
         </p:style>
       </p:cxnSp>
+      <p:pic>
+        <p:nvPicPr>
+          <p:cNvPr id="16" name="Рисунок 15"/>
+          <p:cNvPicPr>
+            <a:picLocks noChangeAspect="1"/>
+          </p:cNvPicPr>
+          <p:nvPr/>
+        </p:nvPicPr>
+        <p:blipFill>
+          <a:blip r:embed="rId14" cstate="print">
+            <a:extLst>
+              <a:ext uri="{28A0092B-C50C-407E-A947-70E740481C1C}">
+                <a14:useLocalDpi xmlns:a14="http://schemas.microsoft.com/office/drawing/2010/main" val="0"/>
+              </a:ext>
+            </a:extLst>
+          </a:blip>
+          <a:stretch>
+            <a:fillRect/>
+          </a:stretch>
+        </p:blipFill>
+        <p:spPr>
+          <a:xfrm>
+            <a:off x="10340064" y="-165977"/>
+            <a:ext cx="2079399" cy="2118495"/>
+          </a:xfrm>
+          <a:prstGeom prst="rect">
+            <a:avLst/>
+          </a:prstGeom>
+        </p:spPr>
+      </p:pic>
     </p:spTree>
     <p:extLst>
       <p:ext uri="{BB962C8B-B14F-4D97-AF65-F5344CB8AC3E}">
-        <p14:creationId xmlns:p14="http://schemas.microsoft.com/office/powerpoint/2010/main" val="469328923"/>
+        <p14:creationId xmlns:p14="http://schemas.microsoft.com/office/powerpoint/2010/main" val="1695455783"/>
       </p:ext>
     </p:extLst>
   </p:cSld>
   <p:clrMap bg1="lt1" tx1="dk1" bg2="lt2" tx2="dk2" accent1="accent1" accent2="accent2" accent3="accent3" accent4="accent4" accent5="accent5" accent6="accent6" hlink="hlink" folHlink="folHlink"/>
   <p:sldLayoutIdLst>
-    <p:sldLayoutId id="2147483661" r:id="rId1"/>
-    <p:sldLayoutId id="2147483662" r:id="rId2"/>
-    <p:sldLayoutId id="2147483663" r:id="rId3"/>
-    <p:sldLayoutId id="2147483664" r:id="rId4"/>
-    <p:sldLayoutId id="2147483665" r:id="rId5"/>
-    <p:sldLayoutId id="2147483666" r:id="rId6"/>
-    <p:sldLayoutId id="2147483667" r:id="rId7"/>
-    <p:sldLayoutId id="2147483668" r:id="rId8"/>
-    <p:sldLayoutId id="2147483669" r:id="rId9"/>
-    <p:sldLayoutId id="2147483670" r:id="rId10"/>
-    <p:sldLayoutId id="2147483671" r:id="rId11"/>
-    <p:sldLayoutId id="2147483672" r:id="rId12"/>
+    <p:sldLayoutId id="2147483674" r:id="rId1"/>
+    <p:sldLayoutId id="2147483675" r:id="rId2"/>
+    <p:sldLayoutId id="2147483676" r:id="rId3"/>
+    <p:sldLayoutId id="2147483677" r:id="rId4"/>
+    <p:sldLayoutId id="2147483678" r:id="rId5"/>
+    <p:sldLayoutId id="2147483679" r:id="rId6"/>
+    <p:sldLayoutId id="2147483680" r:id="rId7"/>
+    <p:sldLayoutId id="2147483681" r:id="rId8"/>
+    <p:sldLayoutId id="2147483682" r:id="rId9"/>
+    <p:sldLayoutId id="2147483683" r:id="rId10"/>
+    <p:sldLayoutId id="2147483684" r:id="rId11"/>
+    <p:sldLayoutId id="2147483685" r:id="rId12"/>
   </p:sldLayoutIdLst>
   <p:hf hdr="0" dt="0"/>
   <p:txStyles>
@@ -4800,6 +4788,52 @@
           </a:p>
         </p:txBody>
       </p:sp>
+      <p:sp>
+        <p:nvSpPr>
+          <p:cNvPr id="4" name="Нижний колонтитул 3"/>
+          <p:cNvSpPr>
+            <a:spLocks noGrp="1"/>
+          </p:cNvSpPr>
+          <p:nvPr>
+            <p:ph type="ftr" sz="quarter" idx="11"/>
+          </p:nvPr>
+        </p:nvSpPr>
+        <p:spPr/>
+        <p:txBody>
+          <a:bodyPr/>
+          <a:lstStyle/>
+          <a:p>
+            <a:r>
+              <a:rPr lang="ru-RU" smtClean="0"/>
+              <a:t>Кафедра 24. "Компьютерный практикум по прикладной ядерной физике: Geant4"</a:t>
+            </a:r>
+            <a:endParaRPr lang="ru-RU"/>
+          </a:p>
+        </p:txBody>
+      </p:sp>
+      <p:sp>
+        <p:nvSpPr>
+          <p:cNvPr id="5" name="Номер слайда 4"/>
+          <p:cNvSpPr>
+            <a:spLocks noGrp="1"/>
+          </p:cNvSpPr>
+          <p:nvPr>
+            <p:ph type="sldNum" sz="quarter" idx="12"/>
+          </p:nvPr>
+        </p:nvSpPr>
+        <p:spPr/>
+        <p:txBody>
+          <a:bodyPr/>
+          <a:lstStyle/>
+          <a:p>
+            <a:fld id="{9DED66CF-9493-49B8-B7E5-6D7AD26B7BBE}" type="slidenum">
+              <a:rPr lang="ru-RU" smtClean="0"/>
+              <a:t>10</a:t>
+            </a:fld>
+            <a:endParaRPr lang="ru-RU"/>
+          </a:p>
+        </p:txBody>
+      </p:sp>
       <p:pic>
         <p:nvPicPr>
           <p:cNvPr id="7" name="Рисунок 6"/>
@@ -5127,52 +5161,6 @@
           </a:prstGeom>
         </p:spPr>
       </p:pic>
-      <p:sp>
-        <p:nvSpPr>
-          <p:cNvPr id="4" name="Нижний колонтитул 3"/>
-          <p:cNvSpPr>
-            <a:spLocks noGrp="1"/>
-          </p:cNvSpPr>
-          <p:nvPr>
-            <p:ph type="ftr" sz="quarter" idx="11"/>
-          </p:nvPr>
-        </p:nvSpPr>
-        <p:spPr/>
-        <p:txBody>
-          <a:bodyPr/>
-          <a:lstStyle/>
-          <a:p>
-            <a:r>
-              <a:rPr lang="ru-RU" smtClean="0"/>
-              <a:t>Кафедра 24. "Компьютерный практикум по прикладной ядерной физике: Geant4"</a:t>
-            </a:r>
-            <a:endParaRPr lang="ru-RU"/>
-          </a:p>
-        </p:txBody>
-      </p:sp>
-      <p:sp>
-        <p:nvSpPr>
-          <p:cNvPr id="5" name="Номер слайда 4"/>
-          <p:cNvSpPr>
-            <a:spLocks noGrp="1"/>
-          </p:cNvSpPr>
-          <p:nvPr>
-            <p:ph type="sldNum" sz="quarter" idx="12"/>
-          </p:nvPr>
-        </p:nvSpPr>
-        <p:spPr/>
-        <p:txBody>
-          <a:bodyPr/>
-          <a:lstStyle/>
-          <a:p>
-            <a:fld id="{9DED66CF-9493-49B8-B7E5-6D7AD26B7BBE}" type="slidenum">
-              <a:rPr lang="ru-RU" smtClean="0"/>
-              <a:t>10</a:t>
-            </a:fld>
-            <a:endParaRPr lang="ru-RU"/>
-          </a:p>
-        </p:txBody>
-      </p:sp>
     </p:spTree>
     <p:extLst>
       <p:ext uri="{BB962C8B-B14F-4D97-AF65-F5344CB8AC3E}">
@@ -5307,6 +5295,52 @@
               <a:t>():</a:t>
             </a:r>
             <a:endParaRPr lang="ru-RU" dirty="0" smtClean="0"/>
+          </a:p>
+        </p:txBody>
+      </p:sp>
+      <p:sp>
+        <p:nvSpPr>
+          <p:cNvPr id="4" name="Нижний колонтитул 3"/>
+          <p:cNvSpPr>
+            <a:spLocks noGrp="1"/>
+          </p:cNvSpPr>
+          <p:nvPr>
+            <p:ph type="ftr" sz="quarter" idx="11"/>
+          </p:nvPr>
+        </p:nvSpPr>
+        <p:spPr/>
+        <p:txBody>
+          <a:bodyPr/>
+          <a:lstStyle/>
+          <a:p>
+            <a:r>
+              <a:rPr lang="ru-RU" smtClean="0"/>
+              <a:t>Кафедра 24. "Компьютерный практикум по прикладной ядерной физике: Geant4"</a:t>
+            </a:r>
+            <a:endParaRPr lang="ru-RU"/>
+          </a:p>
+        </p:txBody>
+      </p:sp>
+      <p:sp>
+        <p:nvSpPr>
+          <p:cNvPr id="6" name="Номер слайда 5"/>
+          <p:cNvSpPr>
+            <a:spLocks noGrp="1"/>
+          </p:cNvSpPr>
+          <p:nvPr>
+            <p:ph type="sldNum" sz="quarter" idx="12"/>
+          </p:nvPr>
+        </p:nvSpPr>
+        <p:spPr/>
+        <p:txBody>
+          <a:bodyPr/>
+          <a:lstStyle/>
+          <a:p>
+            <a:fld id="{9DED66CF-9493-49B8-B7E5-6D7AD26B7BBE}" type="slidenum">
+              <a:rPr lang="ru-RU" smtClean="0"/>
+              <a:t>11</a:t>
+            </a:fld>
+            <a:endParaRPr lang="ru-RU"/>
           </a:p>
         </p:txBody>
       </p:sp>
@@ -5946,52 +5980,6 @@
           </a:p>
         </p:txBody>
       </p:sp>
-      <p:sp>
-        <p:nvSpPr>
-          <p:cNvPr id="4" name="Нижний колонтитул 3"/>
-          <p:cNvSpPr>
-            <a:spLocks noGrp="1"/>
-          </p:cNvSpPr>
-          <p:nvPr>
-            <p:ph type="ftr" sz="quarter" idx="11"/>
-          </p:nvPr>
-        </p:nvSpPr>
-        <p:spPr/>
-        <p:txBody>
-          <a:bodyPr/>
-          <a:lstStyle/>
-          <a:p>
-            <a:r>
-              <a:rPr lang="ru-RU" smtClean="0"/>
-              <a:t>Кафедра 24. "Компьютерный практикум по прикладной ядерной физике: Geant4"</a:t>
-            </a:r>
-            <a:endParaRPr lang="ru-RU"/>
-          </a:p>
-        </p:txBody>
-      </p:sp>
-      <p:sp>
-        <p:nvSpPr>
-          <p:cNvPr id="6" name="Номер слайда 5"/>
-          <p:cNvSpPr>
-            <a:spLocks noGrp="1"/>
-          </p:cNvSpPr>
-          <p:nvPr>
-            <p:ph type="sldNum" sz="quarter" idx="12"/>
-          </p:nvPr>
-        </p:nvSpPr>
-        <p:spPr/>
-        <p:txBody>
-          <a:bodyPr/>
-          <a:lstStyle/>
-          <a:p>
-            <a:fld id="{9DED66CF-9493-49B8-B7E5-6D7AD26B7BBE}" type="slidenum">
-              <a:rPr lang="ru-RU" smtClean="0"/>
-              <a:t>11</a:t>
-            </a:fld>
-            <a:endParaRPr lang="ru-RU"/>
-          </a:p>
-        </p:txBody>
-      </p:sp>
     </p:spTree>
     <p:extLst>
       <p:ext uri="{BB962C8B-B14F-4D97-AF65-F5344CB8AC3E}">
@@ -6169,6 +6157,52 @@
               <a:t>. </a:t>
             </a:r>
             <a:endParaRPr lang="ru-RU" dirty="0"/>
+          </a:p>
+        </p:txBody>
+      </p:sp>
+      <p:sp>
+        <p:nvSpPr>
+          <p:cNvPr id="4" name="Нижний колонтитул 3"/>
+          <p:cNvSpPr>
+            <a:spLocks noGrp="1"/>
+          </p:cNvSpPr>
+          <p:nvPr>
+            <p:ph type="ftr" sz="quarter" idx="11"/>
+          </p:nvPr>
+        </p:nvSpPr>
+        <p:spPr/>
+        <p:txBody>
+          <a:bodyPr/>
+          <a:lstStyle/>
+          <a:p>
+            <a:r>
+              <a:rPr lang="ru-RU" smtClean="0"/>
+              <a:t>Кафедра 24. "Компьютерный практикум по прикладной ядерной физике: Geant4"</a:t>
+            </a:r>
+            <a:endParaRPr lang="ru-RU"/>
+          </a:p>
+        </p:txBody>
+      </p:sp>
+      <p:sp>
+        <p:nvSpPr>
+          <p:cNvPr id="5" name="Номер слайда 4"/>
+          <p:cNvSpPr>
+            <a:spLocks noGrp="1"/>
+          </p:cNvSpPr>
+          <p:nvPr>
+            <p:ph type="sldNum" sz="quarter" idx="12"/>
+          </p:nvPr>
+        </p:nvSpPr>
+        <p:spPr/>
+        <p:txBody>
+          <a:bodyPr/>
+          <a:lstStyle/>
+          <a:p>
+            <a:fld id="{9DED66CF-9493-49B8-B7E5-6D7AD26B7BBE}" type="slidenum">
+              <a:rPr lang="ru-RU" smtClean="0"/>
+              <a:t>12</a:t>
+            </a:fld>
+            <a:endParaRPr lang="ru-RU"/>
           </a:p>
         </p:txBody>
       </p:sp>
@@ -6517,52 +6551,6 @@
           </a:prstGeom>
         </p:spPr>
       </p:pic>
-      <p:sp>
-        <p:nvSpPr>
-          <p:cNvPr id="4" name="Нижний колонтитул 3"/>
-          <p:cNvSpPr>
-            <a:spLocks noGrp="1"/>
-          </p:cNvSpPr>
-          <p:nvPr>
-            <p:ph type="ftr" sz="quarter" idx="11"/>
-          </p:nvPr>
-        </p:nvSpPr>
-        <p:spPr/>
-        <p:txBody>
-          <a:bodyPr/>
-          <a:lstStyle/>
-          <a:p>
-            <a:r>
-              <a:rPr lang="ru-RU" smtClean="0"/>
-              <a:t>Кафедра 24. "Компьютерный практикум по прикладной ядерной физике: Geant4"</a:t>
-            </a:r>
-            <a:endParaRPr lang="ru-RU"/>
-          </a:p>
-        </p:txBody>
-      </p:sp>
-      <p:sp>
-        <p:nvSpPr>
-          <p:cNvPr id="5" name="Номер слайда 4"/>
-          <p:cNvSpPr>
-            <a:spLocks noGrp="1"/>
-          </p:cNvSpPr>
-          <p:nvPr>
-            <p:ph type="sldNum" sz="quarter" idx="12"/>
-          </p:nvPr>
-        </p:nvSpPr>
-        <p:spPr/>
-        <p:txBody>
-          <a:bodyPr/>
-          <a:lstStyle/>
-          <a:p>
-            <a:fld id="{9DED66CF-9493-49B8-B7E5-6D7AD26B7BBE}" type="slidenum">
-              <a:rPr lang="ru-RU" smtClean="0"/>
-              <a:t>12</a:t>
-            </a:fld>
-            <a:endParaRPr lang="ru-RU"/>
-          </a:p>
-        </p:txBody>
-      </p:sp>
     </p:spTree>
     <p:extLst>
       <p:ext uri="{BB962C8B-B14F-4D97-AF65-F5344CB8AC3E}">
@@ -6717,6 +6705,52 @@
           </a:p>
         </p:txBody>
       </p:sp>
+      <p:sp>
+        <p:nvSpPr>
+          <p:cNvPr id="4" name="Нижний колонтитул 3"/>
+          <p:cNvSpPr>
+            <a:spLocks noGrp="1"/>
+          </p:cNvSpPr>
+          <p:nvPr>
+            <p:ph type="ftr" sz="quarter" idx="11"/>
+          </p:nvPr>
+        </p:nvSpPr>
+        <p:spPr/>
+        <p:txBody>
+          <a:bodyPr/>
+          <a:lstStyle/>
+          <a:p>
+            <a:r>
+              <a:rPr lang="ru-RU" smtClean="0"/>
+              <a:t>Кафедра 24. "Компьютерный практикум по прикладной ядерной физике: Geant4"</a:t>
+            </a:r>
+            <a:endParaRPr lang="ru-RU"/>
+          </a:p>
+        </p:txBody>
+      </p:sp>
+      <p:sp>
+        <p:nvSpPr>
+          <p:cNvPr id="7" name="Номер слайда 6"/>
+          <p:cNvSpPr>
+            <a:spLocks noGrp="1"/>
+          </p:cNvSpPr>
+          <p:nvPr>
+            <p:ph type="sldNum" sz="quarter" idx="12"/>
+          </p:nvPr>
+        </p:nvSpPr>
+        <p:spPr/>
+        <p:txBody>
+          <a:bodyPr/>
+          <a:lstStyle/>
+          <a:p>
+            <a:fld id="{9DED66CF-9493-49B8-B7E5-6D7AD26B7BBE}" type="slidenum">
+              <a:rPr lang="ru-RU" smtClean="0"/>
+              <a:t>13</a:t>
+            </a:fld>
+            <a:endParaRPr lang="ru-RU"/>
+          </a:p>
+        </p:txBody>
+      </p:sp>
       <p:pic>
         <p:nvPicPr>
           <p:cNvPr id="5" name="Рисунок 4"/>
@@ -7397,52 +7431,6 @@
           </a:prstGeom>
         </p:spPr>
       </p:pic>
-      <p:sp>
-        <p:nvSpPr>
-          <p:cNvPr id="4" name="Нижний колонтитул 3"/>
-          <p:cNvSpPr>
-            <a:spLocks noGrp="1"/>
-          </p:cNvSpPr>
-          <p:nvPr>
-            <p:ph type="ftr" sz="quarter" idx="11"/>
-          </p:nvPr>
-        </p:nvSpPr>
-        <p:spPr/>
-        <p:txBody>
-          <a:bodyPr/>
-          <a:lstStyle/>
-          <a:p>
-            <a:r>
-              <a:rPr lang="ru-RU" smtClean="0"/>
-              <a:t>Кафедра 24. "Компьютерный практикум по прикладной ядерной физике: Geant4"</a:t>
-            </a:r>
-            <a:endParaRPr lang="ru-RU"/>
-          </a:p>
-        </p:txBody>
-      </p:sp>
-      <p:sp>
-        <p:nvSpPr>
-          <p:cNvPr id="7" name="Номер слайда 6"/>
-          <p:cNvSpPr>
-            <a:spLocks noGrp="1"/>
-          </p:cNvSpPr>
-          <p:nvPr>
-            <p:ph type="sldNum" sz="quarter" idx="12"/>
-          </p:nvPr>
-        </p:nvSpPr>
-        <p:spPr/>
-        <p:txBody>
-          <a:bodyPr/>
-          <a:lstStyle/>
-          <a:p>
-            <a:fld id="{9DED66CF-9493-49B8-B7E5-6D7AD26B7BBE}" type="slidenum">
-              <a:rPr lang="ru-RU" smtClean="0"/>
-              <a:t>13</a:t>
-            </a:fld>
-            <a:endParaRPr lang="ru-RU"/>
-          </a:p>
-        </p:txBody>
-      </p:sp>
     </p:spTree>
     <p:extLst>
       <p:ext uri="{BB962C8B-B14F-4D97-AF65-F5344CB8AC3E}">
@@ -7705,6 +7693,52 @@
           </a:p>
         </p:txBody>
       </p:sp>
+      <p:sp>
+        <p:nvSpPr>
+          <p:cNvPr id="4" name="Нижний колонтитул 3"/>
+          <p:cNvSpPr>
+            <a:spLocks noGrp="1"/>
+          </p:cNvSpPr>
+          <p:nvPr>
+            <p:ph type="ftr" sz="quarter" idx="11"/>
+          </p:nvPr>
+        </p:nvSpPr>
+        <p:spPr/>
+        <p:txBody>
+          <a:bodyPr/>
+          <a:lstStyle/>
+          <a:p>
+            <a:r>
+              <a:rPr lang="ru-RU" smtClean="0"/>
+              <a:t>Кафедра 24. "Компьютерный практикум по прикладной ядерной физике: Geant4"</a:t>
+            </a:r>
+            <a:endParaRPr lang="ru-RU"/>
+          </a:p>
+        </p:txBody>
+      </p:sp>
+      <p:sp>
+        <p:nvSpPr>
+          <p:cNvPr id="6" name="Номер слайда 5"/>
+          <p:cNvSpPr>
+            <a:spLocks noGrp="1"/>
+          </p:cNvSpPr>
+          <p:nvPr>
+            <p:ph type="sldNum" sz="quarter" idx="12"/>
+          </p:nvPr>
+        </p:nvSpPr>
+        <p:spPr/>
+        <p:txBody>
+          <a:bodyPr/>
+          <a:lstStyle/>
+          <a:p>
+            <a:fld id="{9DED66CF-9493-49B8-B7E5-6D7AD26B7BBE}" type="slidenum">
+              <a:rPr lang="ru-RU" smtClean="0"/>
+              <a:t>14</a:t>
+            </a:fld>
+            <a:endParaRPr lang="ru-RU"/>
+          </a:p>
+        </p:txBody>
+      </p:sp>
       <p:pic>
         <p:nvPicPr>
           <p:cNvPr id="5" name="Рисунок 4"/>
@@ -7729,52 +7763,6 @@
           </a:prstGeom>
         </p:spPr>
       </p:pic>
-      <p:sp>
-        <p:nvSpPr>
-          <p:cNvPr id="4" name="Нижний колонтитул 3"/>
-          <p:cNvSpPr>
-            <a:spLocks noGrp="1"/>
-          </p:cNvSpPr>
-          <p:nvPr>
-            <p:ph type="ftr" sz="quarter" idx="11"/>
-          </p:nvPr>
-        </p:nvSpPr>
-        <p:spPr/>
-        <p:txBody>
-          <a:bodyPr/>
-          <a:lstStyle/>
-          <a:p>
-            <a:r>
-              <a:rPr lang="ru-RU" smtClean="0"/>
-              <a:t>Кафедра 24. "Компьютерный практикум по прикладной ядерной физике: Geant4"</a:t>
-            </a:r>
-            <a:endParaRPr lang="ru-RU"/>
-          </a:p>
-        </p:txBody>
-      </p:sp>
-      <p:sp>
-        <p:nvSpPr>
-          <p:cNvPr id="6" name="Номер слайда 5"/>
-          <p:cNvSpPr>
-            <a:spLocks noGrp="1"/>
-          </p:cNvSpPr>
-          <p:nvPr>
-            <p:ph type="sldNum" sz="quarter" idx="12"/>
-          </p:nvPr>
-        </p:nvSpPr>
-        <p:spPr/>
-        <p:txBody>
-          <a:bodyPr/>
-          <a:lstStyle/>
-          <a:p>
-            <a:fld id="{9DED66CF-9493-49B8-B7E5-6D7AD26B7BBE}" type="slidenum">
-              <a:rPr lang="ru-RU" smtClean="0"/>
-              <a:t>14</a:t>
-            </a:fld>
-            <a:endParaRPr lang="ru-RU"/>
-          </a:p>
-        </p:txBody>
-      </p:sp>
     </p:spTree>
     <p:extLst>
       <p:ext uri="{BB962C8B-B14F-4D97-AF65-F5344CB8AC3E}">
@@ -7845,6 +7833,52 @@
               <a:t>StepAct.cc</a:t>
             </a:r>
             <a:endParaRPr lang="ru-RU" dirty="0"/>
+          </a:p>
+        </p:txBody>
+      </p:sp>
+      <p:sp>
+        <p:nvSpPr>
+          <p:cNvPr id="10" name="Нижний колонтитул 9"/>
+          <p:cNvSpPr>
+            <a:spLocks noGrp="1"/>
+          </p:cNvSpPr>
+          <p:nvPr>
+            <p:ph type="ftr" sz="quarter" idx="11"/>
+          </p:nvPr>
+        </p:nvSpPr>
+        <p:spPr/>
+        <p:txBody>
+          <a:bodyPr/>
+          <a:lstStyle/>
+          <a:p>
+            <a:r>
+              <a:rPr lang="ru-RU" smtClean="0"/>
+              <a:t>Кафедра 24. "Компьютерный практикум по прикладной ядерной физике: Geant4"</a:t>
+            </a:r>
+            <a:endParaRPr lang="ru-RU"/>
+          </a:p>
+        </p:txBody>
+      </p:sp>
+      <p:sp>
+        <p:nvSpPr>
+          <p:cNvPr id="11" name="Номер слайда 10"/>
+          <p:cNvSpPr>
+            <a:spLocks noGrp="1"/>
+          </p:cNvSpPr>
+          <p:nvPr>
+            <p:ph type="sldNum" sz="quarter" idx="12"/>
+          </p:nvPr>
+        </p:nvSpPr>
+        <p:spPr/>
+        <p:txBody>
+          <a:bodyPr/>
+          <a:lstStyle/>
+          <a:p>
+            <a:fld id="{9DED66CF-9493-49B8-B7E5-6D7AD26B7BBE}" type="slidenum">
+              <a:rPr lang="ru-RU" smtClean="0"/>
+              <a:t>15</a:t>
+            </a:fld>
+            <a:endParaRPr lang="ru-RU"/>
           </a:p>
         </p:txBody>
       </p:sp>
@@ -7956,52 +7990,6 @@
           </a:p>
         </p:txBody>
       </p:sp>
-      <p:sp>
-        <p:nvSpPr>
-          <p:cNvPr id="10" name="Нижний колонтитул 9"/>
-          <p:cNvSpPr>
-            <a:spLocks noGrp="1"/>
-          </p:cNvSpPr>
-          <p:nvPr>
-            <p:ph type="ftr" sz="quarter" idx="11"/>
-          </p:nvPr>
-        </p:nvSpPr>
-        <p:spPr/>
-        <p:txBody>
-          <a:bodyPr/>
-          <a:lstStyle/>
-          <a:p>
-            <a:r>
-              <a:rPr lang="ru-RU" smtClean="0"/>
-              <a:t>Кафедра 24. "Компьютерный практикум по прикладной ядерной физике: Geant4"</a:t>
-            </a:r>
-            <a:endParaRPr lang="ru-RU"/>
-          </a:p>
-        </p:txBody>
-      </p:sp>
-      <p:sp>
-        <p:nvSpPr>
-          <p:cNvPr id="11" name="Номер слайда 10"/>
-          <p:cNvSpPr>
-            <a:spLocks noGrp="1"/>
-          </p:cNvSpPr>
-          <p:nvPr>
-            <p:ph type="sldNum" sz="quarter" idx="12"/>
-          </p:nvPr>
-        </p:nvSpPr>
-        <p:spPr/>
-        <p:txBody>
-          <a:bodyPr/>
-          <a:lstStyle/>
-          <a:p>
-            <a:fld id="{9DED66CF-9493-49B8-B7E5-6D7AD26B7BBE}" type="slidenum">
-              <a:rPr lang="ru-RU" smtClean="0"/>
-              <a:t>15</a:t>
-            </a:fld>
-            <a:endParaRPr lang="ru-RU"/>
-          </a:p>
-        </p:txBody>
-      </p:sp>
     </p:spTree>
     <p:extLst>
       <p:ext uri="{BB962C8B-B14F-4D97-AF65-F5344CB8AC3E}">
@@ -8063,6 +8051,52 @@
           </a:p>
         </p:txBody>
       </p:sp>
+      <p:sp>
+        <p:nvSpPr>
+          <p:cNvPr id="11" name="Нижний колонтитул 10"/>
+          <p:cNvSpPr>
+            <a:spLocks noGrp="1"/>
+          </p:cNvSpPr>
+          <p:nvPr>
+            <p:ph type="ftr" sz="quarter" idx="11"/>
+          </p:nvPr>
+        </p:nvSpPr>
+        <p:spPr/>
+        <p:txBody>
+          <a:bodyPr/>
+          <a:lstStyle/>
+          <a:p>
+            <a:r>
+              <a:rPr lang="ru-RU" smtClean="0"/>
+              <a:t>Кафедра 24. "Компьютерный практикум по прикладной ядерной физике: Geant4"</a:t>
+            </a:r>
+            <a:endParaRPr lang="ru-RU"/>
+          </a:p>
+        </p:txBody>
+      </p:sp>
+      <p:sp>
+        <p:nvSpPr>
+          <p:cNvPr id="12" name="Номер слайда 11"/>
+          <p:cNvSpPr>
+            <a:spLocks noGrp="1"/>
+          </p:cNvSpPr>
+          <p:nvPr>
+            <p:ph type="sldNum" sz="quarter" idx="12"/>
+          </p:nvPr>
+        </p:nvSpPr>
+        <p:spPr/>
+        <p:txBody>
+          <a:bodyPr/>
+          <a:lstStyle/>
+          <a:p>
+            <a:fld id="{9DED66CF-9493-49B8-B7E5-6D7AD26B7BBE}" type="slidenum">
+              <a:rPr lang="ru-RU" smtClean="0"/>
+              <a:t>16</a:t>
+            </a:fld>
+            <a:endParaRPr lang="ru-RU"/>
+          </a:p>
+        </p:txBody>
+      </p:sp>
       <p:pic>
         <p:nvPicPr>
           <p:cNvPr id="10" name="Рисунок 9"/>
@@ -8087,52 +8121,6 @@
           </a:prstGeom>
         </p:spPr>
       </p:pic>
-      <p:sp>
-        <p:nvSpPr>
-          <p:cNvPr id="11" name="Нижний колонтитул 10"/>
-          <p:cNvSpPr>
-            <a:spLocks noGrp="1"/>
-          </p:cNvSpPr>
-          <p:nvPr>
-            <p:ph type="ftr" sz="quarter" idx="11"/>
-          </p:nvPr>
-        </p:nvSpPr>
-        <p:spPr/>
-        <p:txBody>
-          <a:bodyPr/>
-          <a:lstStyle/>
-          <a:p>
-            <a:r>
-              <a:rPr lang="ru-RU" smtClean="0"/>
-              <a:t>Кафедра 24. "Компьютерный практикум по прикладной ядерной физике: Geant4"</a:t>
-            </a:r>
-            <a:endParaRPr lang="ru-RU"/>
-          </a:p>
-        </p:txBody>
-      </p:sp>
-      <p:sp>
-        <p:nvSpPr>
-          <p:cNvPr id="12" name="Номер слайда 11"/>
-          <p:cNvSpPr>
-            <a:spLocks noGrp="1"/>
-          </p:cNvSpPr>
-          <p:nvPr>
-            <p:ph type="sldNum" sz="quarter" idx="12"/>
-          </p:nvPr>
-        </p:nvSpPr>
-        <p:spPr/>
-        <p:txBody>
-          <a:bodyPr/>
-          <a:lstStyle/>
-          <a:p>
-            <a:fld id="{9DED66CF-9493-49B8-B7E5-6D7AD26B7BBE}" type="slidenum">
-              <a:rPr lang="ru-RU" smtClean="0"/>
-              <a:t>16</a:t>
-            </a:fld>
-            <a:endParaRPr lang="ru-RU"/>
-          </a:p>
-        </p:txBody>
-      </p:sp>
     </p:spTree>
     <p:extLst>
       <p:ext uri="{BB962C8B-B14F-4D97-AF65-F5344CB8AC3E}">
@@ -8190,6 +8178,52 @@
           </a:p>
         </p:txBody>
       </p:sp>
+      <p:sp>
+        <p:nvSpPr>
+          <p:cNvPr id="3" name="Нижний колонтитул 2"/>
+          <p:cNvSpPr>
+            <a:spLocks noGrp="1"/>
+          </p:cNvSpPr>
+          <p:nvPr>
+            <p:ph type="ftr" sz="quarter" idx="11"/>
+          </p:nvPr>
+        </p:nvSpPr>
+        <p:spPr/>
+        <p:txBody>
+          <a:bodyPr/>
+          <a:lstStyle/>
+          <a:p>
+            <a:r>
+              <a:rPr lang="ru-RU" smtClean="0"/>
+              <a:t>Кафедра 24. "Компьютерный практикум по прикладной ядерной физике: Geant4"</a:t>
+            </a:r>
+            <a:endParaRPr lang="ru-RU"/>
+          </a:p>
+        </p:txBody>
+      </p:sp>
+      <p:sp>
+        <p:nvSpPr>
+          <p:cNvPr id="5" name="Номер слайда 4"/>
+          <p:cNvSpPr>
+            <a:spLocks noGrp="1"/>
+          </p:cNvSpPr>
+          <p:nvPr>
+            <p:ph type="sldNum" sz="quarter" idx="12"/>
+          </p:nvPr>
+        </p:nvSpPr>
+        <p:spPr/>
+        <p:txBody>
+          <a:bodyPr/>
+          <a:lstStyle/>
+          <a:p>
+            <a:fld id="{9DED66CF-9493-49B8-B7E5-6D7AD26B7BBE}" type="slidenum">
+              <a:rPr lang="ru-RU" smtClean="0"/>
+              <a:t>17</a:t>
+            </a:fld>
+            <a:endParaRPr lang="ru-RU"/>
+          </a:p>
+        </p:txBody>
+      </p:sp>
       <p:pic>
         <p:nvPicPr>
           <p:cNvPr id="4" name="Рисунок 3"/>
@@ -8214,52 +8248,6 @@
           </a:prstGeom>
         </p:spPr>
       </p:pic>
-      <p:sp>
-        <p:nvSpPr>
-          <p:cNvPr id="3" name="Нижний колонтитул 2"/>
-          <p:cNvSpPr>
-            <a:spLocks noGrp="1"/>
-          </p:cNvSpPr>
-          <p:nvPr>
-            <p:ph type="ftr" sz="quarter" idx="11"/>
-          </p:nvPr>
-        </p:nvSpPr>
-        <p:spPr/>
-        <p:txBody>
-          <a:bodyPr/>
-          <a:lstStyle/>
-          <a:p>
-            <a:r>
-              <a:rPr lang="ru-RU" smtClean="0"/>
-              <a:t>Кафедра 24. "Компьютерный практикум по прикладной ядерной физике: Geant4"</a:t>
-            </a:r>
-            <a:endParaRPr lang="ru-RU"/>
-          </a:p>
-        </p:txBody>
-      </p:sp>
-      <p:sp>
-        <p:nvSpPr>
-          <p:cNvPr id="5" name="Номер слайда 4"/>
-          <p:cNvSpPr>
-            <a:spLocks noGrp="1"/>
-          </p:cNvSpPr>
-          <p:nvPr>
-            <p:ph type="sldNum" sz="quarter" idx="12"/>
-          </p:nvPr>
-        </p:nvSpPr>
-        <p:spPr/>
-        <p:txBody>
-          <a:bodyPr/>
-          <a:lstStyle/>
-          <a:p>
-            <a:fld id="{9DED66CF-9493-49B8-B7E5-6D7AD26B7BBE}" type="slidenum">
-              <a:rPr lang="ru-RU" smtClean="0"/>
-              <a:t>17</a:t>
-            </a:fld>
-            <a:endParaRPr lang="ru-RU"/>
-          </a:p>
-        </p:txBody>
-      </p:sp>
     </p:spTree>
     <p:extLst>
       <p:ext uri="{BB962C8B-B14F-4D97-AF65-F5344CB8AC3E}">
@@ -8321,6 +8309,52 @@
           </a:p>
         </p:txBody>
       </p:sp>
+      <p:sp>
+        <p:nvSpPr>
+          <p:cNvPr id="6" name="Нижний колонтитул 5"/>
+          <p:cNvSpPr>
+            <a:spLocks noGrp="1"/>
+          </p:cNvSpPr>
+          <p:nvPr>
+            <p:ph type="ftr" sz="quarter" idx="11"/>
+          </p:nvPr>
+        </p:nvSpPr>
+        <p:spPr/>
+        <p:txBody>
+          <a:bodyPr/>
+          <a:lstStyle/>
+          <a:p>
+            <a:r>
+              <a:rPr lang="ru-RU" smtClean="0"/>
+              <a:t>Кафедра 24. "Компьютерный практикум по прикладной ядерной физике: Geant4"</a:t>
+            </a:r>
+            <a:endParaRPr lang="ru-RU"/>
+          </a:p>
+        </p:txBody>
+      </p:sp>
+      <p:sp>
+        <p:nvSpPr>
+          <p:cNvPr id="7" name="Номер слайда 6"/>
+          <p:cNvSpPr>
+            <a:spLocks noGrp="1"/>
+          </p:cNvSpPr>
+          <p:nvPr>
+            <p:ph type="sldNum" sz="quarter" idx="12"/>
+          </p:nvPr>
+        </p:nvSpPr>
+        <p:spPr/>
+        <p:txBody>
+          <a:bodyPr/>
+          <a:lstStyle/>
+          <a:p>
+            <a:fld id="{9DED66CF-9493-49B8-B7E5-6D7AD26B7BBE}" type="slidenum">
+              <a:rPr lang="ru-RU" smtClean="0"/>
+              <a:t>18</a:t>
+            </a:fld>
+            <a:endParaRPr lang="ru-RU"/>
+          </a:p>
+        </p:txBody>
+      </p:sp>
       <p:pic>
         <p:nvPicPr>
           <p:cNvPr id="5" name="Рисунок 4"/>
@@ -8345,52 +8379,6 @@
           </a:prstGeom>
         </p:spPr>
       </p:pic>
-      <p:sp>
-        <p:nvSpPr>
-          <p:cNvPr id="6" name="Нижний колонтитул 5"/>
-          <p:cNvSpPr>
-            <a:spLocks noGrp="1"/>
-          </p:cNvSpPr>
-          <p:nvPr>
-            <p:ph type="ftr" sz="quarter" idx="11"/>
-          </p:nvPr>
-        </p:nvSpPr>
-        <p:spPr/>
-        <p:txBody>
-          <a:bodyPr/>
-          <a:lstStyle/>
-          <a:p>
-            <a:r>
-              <a:rPr lang="ru-RU" smtClean="0"/>
-              <a:t>Кафедра 24. "Компьютерный практикум по прикладной ядерной физике: Geant4"</a:t>
-            </a:r>
-            <a:endParaRPr lang="ru-RU"/>
-          </a:p>
-        </p:txBody>
-      </p:sp>
-      <p:sp>
-        <p:nvSpPr>
-          <p:cNvPr id="7" name="Номер слайда 6"/>
-          <p:cNvSpPr>
-            <a:spLocks noGrp="1"/>
-          </p:cNvSpPr>
-          <p:nvPr>
-            <p:ph type="sldNum" sz="quarter" idx="12"/>
-          </p:nvPr>
-        </p:nvSpPr>
-        <p:spPr/>
-        <p:txBody>
-          <a:bodyPr/>
-          <a:lstStyle/>
-          <a:p>
-            <a:fld id="{9DED66CF-9493-49B8-B7E5-6D7AD26B7BBE}" type="slidenum">
-              <a:rPr lang="ru-RU" smtClean="0"/>
-              <a:t>18</a:t>
-            </a:fld>
-            <a:endParaRPr lang="ru-RU"/>
-          </a:p>
-        </p:txBody>
-      </p:sp>
     </p:spTree>
     <p:extLst>
       <p:ext uri="{BB962C8B-B14F-4D97-AF65-F5344CB8AC3E}">
@@ -8452,6 +8440,52 @@
           </a:p>
         </p:txBody>
       </p:sp>
+      <p:sp>
+        <p:nvSpPr>
+          <p:cNvPr id="6" name="Нижний колонтитул 5"/>
+          <p:cNvSpPr>
+            <a:spLocks noGrp="1"/>
+          </p:cNvSpPr>
+          <p:nvPr>
+            <p:ph type="ftr" sz="quarter" idx="11"/>
+          </p:nvPr>
+        </p:nvSpPr>
+        <p:spPr/>
+        <p:txBody>
+          <a:bodyPr/>
+          <a:lstStyle/>
+          <a:p>
+            <a:r>
+              <a:rPr lang="ru-RU" smtClean="0"/>
+              <a:t>Кафедра 24. "Компьютерный практикум по прикладной ядерной физике: Geant4"</a:t>
+            </a:r>
+            <a:endParaRPr lang="ru-RU"/>
+          </a:p>
+        </p:txBody>
+      </p:sp>
+      <p:sp>
+        <p:nvSpPr>
+          <p:cNvPr id="7" name="Номер слайда 6"/>
+          <p:cNvSpPr>
+            <a:spLocks noGrp="1"/>
+          </p:cNvSpPr>
+          <p:nvPr>
+            <p:ph type="sldNum" sz="quarter" idx="12"/>
+          </p:nvPr>
+        </p:nvSpPr>
+        <p:spPr/>
+        <p:txBody>
+          <a:bodyPr/>
+          <a:lstStyle/>
+          <a:p>
+            <a:fld id="{9DED66CF-9493-49B8-B7E5-6D7AD26B7BBE}" type="slidenum">
+              <a:rPr lang="ru-RU" smtClean="0"/>
+              <a:t>19</a:t>
+            </a:fld>
+            <a:endParaRPr lang="ru-RU"/>
+          </a:p>
+        </p:txBody>
+      </p:sp>
       <p:pic>
         <p:nvPicPr>
           <p:cNvPr id="4" name="Рисунок 3"/>
@@ -8476,52 +8510,6 @@
           </a:prstGeom>
         </p:spPr>
       </p:pic>
-      <p:sp>
-        <p:nvSpPr>
-          <p:cNvPr id="6" name="Нижний колонтитул 5"/>
-          <p:cNvSpPr>
-            <a:spLocks noGrp="1"/>
-          </p:cNvSpPr>
-          <p:nvPr>
-            <p:ph type="ftr" sz="quarter" idx="11"/>
-          </p:nvPr>
-        </p:nvSpPr>
-        <p:spPr/>
-        <p:txBody>
-          <a:bodyPr/>
-          <a:lstStyle/>
-          <a:p>
-            <a:r>
-              <a:rPr lang="ru-RU" smtClean="0"/>
-              <a:t>Кафедра 24. "Компьютерный практикум по прикладной ядерной физике: Geant4"</a:t>
-            </a:r>
-            <a:endParaRPr lang="ru-RU"/>
-          </a:p>
-        </p:txBody>
-      </p:sp>
-      <p:sp>
-        <p:nvSpPr>
-          <p:cNvPr id="7" name="Номер слайда 6"/>
-          <p:cNvSpPr>
-            <a:spLocks noGrp="1"/>
-          </p:cNvSpPr>
-          <p:nvPr>
-            <p:ph type="sldNum" sz="quarter" idx="12"/>
-          </p:nvPr>
-        </p:nvSpPr>
-        <p:spPr/>
-        <p:txBody>
-          <a:bodyPr/>
-          <a:lstStyle/>
-          <a:p>
-            <a:fld id="{9DED66CF-9493-49B8-B7E5-6D7AD26B7BBE}" type="slidenum">
-              <a:rPr lang="ru-RU" smtClean="0"/>
-              <a:t>19</a:t>
-            </a:fld>
-            <a:endParaRPr lang="ru-RU"/>
-          </a:p>
-        </p:txBody>
-      </p:sp>
     </p:spTree>
     <p:extLst>
       <p:ext uri="{BB962C8B-B14F-4D97-AF65-F5344CB8AC3E}">
@@ -8733,6 +8721,52 @@
           </a:p>
         </p:txBody>
       </p:sp>
+      <p:sp>
+        <p:nvSpPr>
+          <p:cNvPr id="6" name="Нижний колонтитул 5"/>
+          <p:cNvSpPr>
+            <a:spLocks noGrp="1"/>
+          </p:cNvSpPr>
+          <p:nvPr>
+            <p:ph type="ftr" sz="quarter" idx="11"/>
+          </p:nvPr>
+        </p:nvSpPr>
+        <p:spPr/>
+        <p:txBody>
+          <a:bodyPr/>
+          <a:lstStyle/>
+          <a:p>
+            <a:r>
+              <a:rPr lang="ru-RU" smtClean="0"/>
+              <a:t>Кафедра 24. "Компьютерный практикум по прикладной ядерной физике: Geant4"</a:t>
+            </a:r>
+            <a:endParaRPr lang="ru-RU"/>
+          </a:p>
+        </p:txBody>
+      </p:sp>
+      <p:sp>
+        <p:nvSpPr>
+          <p:cNvPr id="7" name="Номер слайда 6"/>
+          <p:cNvSpPr>
+            <a:spLocks noGrp="1"/>
+          </p:cNvSpPr>
+          <p:nvPr>
+            <p:ph type="sldNum" sz="quarter" idx="12"/>
+          </p:nvPr>
+        </p:nvSpPr>
+        <p:spPr/>
+        <p:txBody>
+          <a:bodyPr/>
+          <a:lstStyle/>
+          <a:p>
+            <a:fld id="{9DED66CF-9493-49B8-B7E5-6D7AD26B7BBE}" type="slidenum">
+              <a:rPr lang="ru-RU" smtClean="0"/>
+              <a:t>20</a:t>
+            </a:fld>
+            <a:endParaRPr lang="ru-RU"/>
+          </a:p>
+        </p:txBody>
+      </p:sp>
       <p:pic>
         <p:nvPicPr>
           <p:cNvPr id="5" name="Рисунок 4"/>
@@ -8757,52 +8791,6 @@
           </a:prstGeom>
         </p:spPr>
       </p:pic>
-      <p:sp>
-        <p:nvSpPr>
-          <p:cNvPr id="6" name="Нижний колонтитул 5"/>
-          <p:cNvSpPr>
-            <a:spLocks noGrp="1"/>
-          </p:cNvSpPr>
-          <p:nvPr>
-            <p:ph type="ftr" sz="quarter" idx="11"/>
-          </p:nvPr>
-        </p:nvSpPr>
-        <p:spPr/>
-        <p:txBody>
-          <a:bodyPr/>
-          <a:lstStyle/>
-          <a:p>
-            <a:r>
-              <a:rPr lang="ru-RU" smtClean="0"/>
-              <a:t>Кафедра 24. "Компьютерный практикум по прикладной ядерной физике: Geant4"</a:t>
-            </a:r>
-            <a:endParaRPr lang="ru-RU"/>
-          </a:p>
-        </p:txBody>
-      </p:sp>
-      <p:sp>
-        <p:nvSpPr>
-          <p:cNvPr id="7" name="Номер слайда 6"/>
-          <p:cNvSpPr>
-            <a:spLocks noGrp="1"/>
-          </p:cNvSpPr>
-          <p:nvPr>
-            <p:ph type="sldNum" sz="quarter" idx="12"/>
-          </p:nvPr>
-        </p:nvSpPr>
-        <p:spPr/>
-        <p:txBody>
-          <a:bodyPr/>
-          <a:lstStyle/>
-          <a:p>
-            <a:fld id="{9DED66CF-9493-49B8-B7E5-6D7AD26B7BBE}" type="slidenum">
-              <a:rPr lang="ru-RU" smtClean="0"/>
-              <a:t>20</a:t>
-            </a:fld>
-            <a:endParaRPr lang="ru-RU"/>
-          </a:p>
-        </p:txBody>
-      </p:sp>
     </p:spTree>
     <p:extLst>
       <p:ext uri="{BB962C8B-B14F-4D97-AF65-F5344CB8AC3E}">
@@ -8860,6 +8848,52 @@
           </a:p>
         </p:txBody>
       </p:sp>
+      <p:sp>
+        <p:nvSpPr>
+          <p:cNvPr id="6" name="Нижний колонтитул 5"/>
+          <p:cNvSpPr>
+            <a:spLocks noGrp="1"/>
+          </p:cNvSpPr>
+          <p:nvPr>
+            <p:ph type="ftr" sz="quarter" idx="11"/>
+          </p:nvPr>
+        </p:nvSpPr>
+        <p:spPr/>
+        <p:txBody>
+          <a:bodyPr/>
+          <a:lstStyle/>
+          <a:p>
+            <a:r>
+              <a:rPr lang="ru-RU" smtClean="0"/>
+              <a:t>Кафедра 24. "Компьютерный практикум по прикладной ядерной физике: Geant4"</a:t>
+            </a:r>
+            <a:endParaRPr lang="ru-RU"/>
+          </a:p>
+        </p:txBody>
+      </p:sp>
+      <p:sp>
+        <p:nvSpPr>
+          <p:cNvPr id="7" name="Номер слайда 6"/>
+          <p:cNvSpPr>
+            <a:spLocks noGrp="1"/>
+          </p:cNvSpPr>
+          <p:nvPr>
+            <p:ph type="sldNum" sz="quarter" idx="12"/>
+          </p:nvPr>
+        </p:nvSpPr>
+        <p:spPr/>
+        <p:txBody>
+          <a:bodyPr/>
+          <a:lstStyle/>
+          <a:p>
+            <a:fld id="{9DED66CF-9493-49B8-B7E5-6D7AD26B7BBE}" type="slidenum">
+              <a:rPr lang="ru-RU" smtClean="0"/>
+              <a:t>21</a:t>
+            </a:fld>
+            <a:endParaRPr lang="ru-RU"/>
+          </a:p>
+        </p:txBody>
+      </p:sp>
       <p:pic>
         <p:nvPicPr>
           <p:cNvPr id="5" name="Рисунок 4"/>
@@ -8884,52 +8918,6 @@
           </a:prstGeom>
         </p:spPr>
       </p:pic>
-      <p:sp>
-        <p:nvSpPr>
-          <p:cNvPr id="6" name="Нижний колонтитул 5"/>
-          <p:cNvSpPr>
-            <a:spLocks noGrp="1"/>
-          </p:cNvSpPr>
-          <p:nvPr>
-            <p:ph type="ftr" sz="quarter" idx="11"/>
-          </p:nvPr>
-        </p:nvSpPr>
-        <p:spPr/>
-        <p:txBody>
-          <a:bodyPr/>
-          <a:lstStyle/>
-          <a:p>
-            <a:r>
-              <a:rPr lang="ru-RU" smtClean="0"/>
-              <a:t>Кафедра 24. "Компьютерный практикум по прикладной ядерной физике: Geant4"</a:t>
-            </a:r>
-            <a:endParaRPr lang="ru-RU"/>
-          </a:p>
-        </p:txBody>
-      </p:sp>
-      <p:sp>
-        <p:nvSpPr>
-          <p:cNvPr id="7" name="Номер слайда 6"/>
-          <p:cNvSpPr>
-            <a:spLocks noGrp="1"/>
-          </p:cNvSpPr>
-          <p:nvPr>
-            <p:ph type="sldNum" sz="quarter" idx="12"/>
-          </p:nvPr>
-        </p:nvSpPr>
-        <p:spPr/>
-        <p:txBody>
-          <a:bodyPr/>
-          <a:lstStyle/>
-          <a:p>
-            <a:fld id="{9DED66CF-9493-49B8-B7E5-6D7AD26B7BBE}" type="slidenum">
-              <a:rPr lang="ru-RU" smtClean="0"/>
-              <a:t>21</a:t>
-            </a:fld>
-            <a:endParaRPr lang="ru-RU"/>
-          </a:p>
-        </p:txBody>
-      </p:sp>
     </p:spTree>
     <p:extLst>
       <p:ext uri="{BB962C8B-B14F-4D97-AF65-F5344CB8AC3E}">
@@ -9033,6 +9021,52 @@
               <a:rPr lang="ru-RU" i="1" dirty="0" smtClean="0"/>
               <a:t>Треки состоят из шагов</a:t>
             </a:r>
+          </a:p>
+        </p:txBody>
+      </p:sp>
+      <p:sp>
+        <p:nvSpPr>
+          <p:cNvPr id="5" name="Нижний колонтитул 4"/>
+          <p:cNvSpPr>
+            <a:spLocks noGrp="1"/>
+          </p:cNvSpPr>
+          <p:nvPr>
+            <p:ph type="ftr" sz="quarter" idx="11"/>
+          </p:nvPr>
+        </p:nvSpPr>
+        <p:spPr/>
+        <p:txBody>
+          <a:bodyPr/>
+          <a:lstStyle/>
+          <a:p>
+            <a:r>
+              <a:rPr lang="ru-RU" smtClean="0"/>
+              <a:t>Кафедра 24. "Компьютерный практикум по прикладной ядерной физике: Geant4"</a:t>
+            </a:r>
+            <a:endParaRPr lang="ru-RU"/>
+          </a:p>
+        </p:txBody>
+      </p:sp>
+      <p:sp>
+        <p:nvSpPr>
+          <p:cNvPr id="7" name="Номер слайда 6"/>
+          <p:cNvSpPr>
+            <a:spLocks noGrp="1"/>
+          </p:cNvSpPr>
+          <p:nvPr>
+            <p:ph type="sldNum" sz="quarter" idx="12"/>
+          </p:nvPr>
+        </p:nvSpPr>
+        <p:spPr/>
+        <p:txBody>
+          <a:bodyPr/>
+          <a:lstStyle/>
+          <a:p>
+            <a:fld id="{9DED66CF-9493-49B8-B7E5-6D7AD26B7BBE}" type="slidenum">
+              <a:rPr lang="ru-RU" smtClean="0"/>
+              <a:t>3</a:t>
+            </a:fld>
+            <a:endParaRPr lang="ru-RU"/>
           </a:p>
         </p:txBody>
       </p:sp>
@@ -9542,52 +9576,6 @@
           </a:fontRef>
         </p:style>
       </p:cxnSp>
-      <p:sp>
-        <p:nvSpPr>
-          <p:cNvPr id="5" name="Нижний колонтитул 4"/>
-          <p:cNvSpPr>
-            <a:spLocks noGrp="1"/>
-          </p:cNvSpPr>
-          <p:nvPr>
-            <p:ph type="ftr" sz="quarter" idx="11"/>
-          </p:nvPr>
-        </p:nvSpPr>
-        <p:spPr/>
-        <p:txBody>
-          <a:bodyPr/>
-          <a:lstStyle/>
-          <a:p>
-            <a:r>
-              <a:rPr lang="ru-RU" smtClean="0"/>
-              <a:t>Кафедра 24. "Компьютерный практикум по прикладной ядерной физике: Geant4"</a:t>
-            </a:r>
-            <a:endParaRPr lang="ru-RU"/>
-          </a:p>
-        </p:txBody>
-      </p:sp>
-      <p:sp>
-        <p:nvSpPr>
-          <p:cNvPr id="7" name="Номер слайда 6"/>
-          <p:cNvSpPr>
-            <a:spLocks noGrp="1"/>
-          </p:cNvSpPr>
-          <p:nvPr>
-            <p:ph type="sldNum" sz="quarter" idx="12"/>
-          </p:nvPr>
-        </p:nvSpPr>
-        <p:spPr/>
-        <p:txBody>
-          <a:bodyPr/>
-          <a:lstStyle/>
-          <a:p>
-            <a:fld id="{9DED66CF-9493-49B8-B7E5-6D7AD26B7BBE}" type="slidenum">
-              <a:rPr lang="ru-RU" smtClean="0"/>
-              <a:t>3</a:t>
-            </a:fld>
-            <a:endParaRPr lang="ru-RU"/>
-          </a:p>
-        </p:txBody>
-      </p:sp>
     </p:spTree>
     <p:extLst>
       <p:ext uri="{BB962C8B-B14F-4D97-AF65-F5344CB8AC3E}">
@@ -9701,6 +9689,52 @@
           </a:p>
         </p:txBody>
       </p:sp>
+      <p:sp>
+        <p:nvSpPr>
+          <p:cNvPr id="4" name="Нижний колонтитул 3"/>
+          <p:cNvSpPr>
+            <a:spLocks noGrp="1"/>
+          </p:cNvSpPr>
+          <p:nvPr>
+            <p:ph type="ftr" sz="quarter" idx="11"/>
+          </p:nvPr>
+        </p:nvSpPr>
+        <p:spPr/>
+        <p:txBody>
+          <a:bodyPr/>
+          <a:lstStyle/>
+          <a:p>
+            <a:r>
+              <a:rPr lang="ru-RU" smtClean="0"/>
+              <a:t>Кафедра 24. "Компьютерный практикум по прикладной ядерной физике: Geant4"</a:t>
+            </a:r>
+            <a:endParaRPr lang="ru-RU"/>
+          </a:p>
+        </p:txBody>
+      </p:sp>
+      <p:sp>
+        <p:nvSpPr>
+          <p:cNvPr id="8" name="Номер слайда 7"/>
+          <p:cNvSpPr>
+            <a:spLocks noGrp="1"/>
+          </p:cNvSpPr>
+          <p:nvPr>
+            <p:ph type="sldNum" sz="quarter" idx="12"/>
+          </p:nvPr>
+        </p:nvSpPr>
+        <p:spPr/>
+        <p:txBody>
+          <a:bodyPr/>
+          <a:lstStyle/>
+          <a:p>
+            <a:fld id="{9DED66CF-9493-49B8-B7E5-6D7AD26B7BBE}" type="slidenum">
+              <a:rPr lang="ru-RU" smtClean="0"/>
+              <a:t>4</a:t>
+            </a:fld>
+            <a:endParaRPr lang="ru-RU"/>
+          </a:p>
+        </p:txBody>
+      </p:sp>
       <p:pic>
         <p:nvPicPr>
           <p:cNvPr id="5" name="Рисунок 4"/>
@@ -10035,52 +10069,6 @@
           </a:prstGeom>
         </p:spPr>
       </p:pic>
-      <p:sp>
-        <p:nvSpPr>
-          <p:cNvPr id="4" name="Нижний колонтитул 3"/>
-          <p:cNvSpPr>
-            <a:spLocks noGrp="1"/>
-          </p:cNvSpPr>
-          <p:nvPr>
-            <p:ph type="ftr" sz="quarter" idx="11"/>
-          </p:nvPr>
-        </p:nvSpPr>
-        <p:spPr/>
-        <p:txBody>
-          <a:bodyPr/>
-          <a:lstStyle/>
-          <a:p>
-            <a:r>
-              <a:rPr lang="ru-RU" smtClean="0"/>
-              <a:t>Кафедра 24. "Компьютерный практикум по прикладной ядерной физике: Geant4"</a:t>
-            </a:r>
-            <a:endParaRPr lang="ru-RU"/>
-          </a:p>
-        </p:txBody>
-      </p:sp>
-      <p:sp>
-        <p:nvSpPr>
-          <p:cNvPr id="8" name="Номер слайда 7"/>
-          <p:cNvSpPr>
-            <a:spLocks noGrp="1"/>
-          </p:cNvSpPr>
-          <p:nvPr>
-            <p:ph type="sldNum" sz="quarter" idx="12"/>
-          </p:nvPr>
-        </p:nvSpPr>
-        <p:spPr/>
-        <p:txBody>
-          <a:bodyPr/>
-          <a:lstStyle/>
-          <a:p>
-            <a:fld id="{9DED66CF-9493-49B8-B7E5-6D7AD26B7BBE}" type="slidenum">
-              <a:rPr lang="ru-RU" smtClean="0"/>
-              <a:t>4</a:t>
-            </a:fld>
-            <a:endParaRPr lang="ru-RU"/>
-          </a:p>
-        </p:txBody>
-      </p:sp>
     </p:spTree>
     <p:extLst>
       <p:ext uri="{BB962C8B-B14F-4D97-AF65-F5344CB8AC3E}">
@@ -10262,6 +10250,52 @@
       </p:sp>
       <p:sp>
         <p:nvSpPr>
+          <p:cNvPr id="6" name="Нижний колонтитул 5"/>
+          <p:cNvSpPr>
+            <a:spLocks noGrp="1"/>
+          </p:cNvSpPr>
+          <p:nvPr>
+            <p:ph type="ftr" sz="quarter" idx="11"/>
+          </p:nvPr>
+        </p:nvSpPr>
+        <p:spPr/>
+        <p:txBody>
+          <a:bodyPr/>
+          <a:lstStyle/>
+          <a:p>
+            <a:r>
+              <a:rPr lang="ru-RU" smtClean="0"/>
+              <a:t>Кафедра 24. "Компьютерный практикум по прикладной ядерной физике: Geant4"</a:t>
+            </a:r>
+            <a:endParaRPr lang="ru-RU"/>
+          </a:p>
+        </p:txBody>
+      </p:sp>
+      <p:sp>
+        <p:nvSpPr>
+          <p:cNvPr id="7" name="Номер слайда 6"/>
+          <p:cNvSpPr>
+            <a:spLocks noGrp="1"/>
+          </p:cNvSpPr>
+          <p:nvPr>
+            <p:ph type="sldNum" sz="quarter" idx="12"/>
+          </p:nvPr>
+        </p:nvSpPr>
+        <p:spPr/>
+        <p:txBody>
+          <a:bodyPr/>
+          <a:lstStyle/>
+          <a:p>
+            <a:fld id="{9DED66CF-9493-49B8-B7E5-6D7AD26B7BBE}" type="slidenum">
+              <a:rPr lang="ru-RU" smtClean="0"/>
+              <a:t>5</a:t>
+            </a:fld>
+            <a:endParaRPr lang="ru-RU"/>
+          </a:p>
+        </p:txBody>
+      </p:sp>
+      <p:sp>
+        <p:nvSpPr>
           <p:cNvPr id="4" name="AutoShape 2" descr="https://apf.mail.ru/cgi-bin/readmsg/Screenshot_20170607_132158.png?id=14968320820000000668%3B0%3B1&amp;x-email=idalov%40inbox.ru&amp;exif=1&amp;bs=2352&amp;bl=21480&amp;ct=image%2Fpng&amp;cn=Screenshot_20170607_132158.png&amp;cte=binary"/>
           <p:cNvSpPr>
             <a:spLocks noChangeAspect="1" noChangeArrowheads="1"/>
@@ -10323,52 +10357,6 @@
           </a:prstGeom>
         </p:spPr>
       </p:pic>
-      <p:sp>
-        <p:nvSpPr>
-          <p:cNvPr id="6" name="Нижний колонтитул 5"/>
-          <p:cNvSpPr>
-            <a:spLocks noGrp="1"/>
-          </p:cNvSpPr>
-          <p:nvPr>
-            <p:ph type="ftr" sz="quarter" idx="11"/>
-          </p:nvPr>
-        </p:nvSpPr>
-        <p:spPr/>
-        <p:txBody>
-          <a:bodyPr/>
-          <a:lstStyle/>
-          <a:p>
-            <a:r>
-              <a:rPr lang="ru-RU" smtClean="0"/>
-              <a:t>Кафедра 24. "Компьютерный практикум по прикладной ядерной физике: Geant4"</a:t>
-            </a:r>
-            <a:endParaRPr lang="ru-RU"/>
-          </a:p>
-        </p:txBody>
-      </p:sp>
-      <p:sp>
-        <p:nvSpPr>
-          <p:cNvPr id="7" name="Номер слайда 6"/>
-          <p:cNvSpPr>
-            <a:spLocks noGrp="1"/>
-          </p:cNvSpPr>
-          <p:nvPr>
-            <p:ph type="sldNum" sz="quarter" idx="12"/>
-          </p:nvPr>
-        </p:nvSpPr>
-        <p:spPr/>
-        <p:txBody>
-          <a:bodyPr/>
-          <a:lstStyle/>
-          <a:p>
-            <a:fld id="{9DED66CF-9493-49B8-B7E5-6D7AD26B7BBE}" type="slidenum">
-              <a:rPr lang="ru-RU" smtClean="0"/>
-              <a:t>5</a:t>
-            </a:fld>
-            <a:endParaRPr lang="ru-RU"/>
-          </a:p>
-        </p:txBody>
-      </p:sp>
     </p:spTree>
     <p:extLst>
       <p:ext uri="{BB962C8B-B14F-4D97-AF65-F5344CB8AC3E}">
@@ -10510,6 +10498,52 @@
           </a:p>
         </p:txBody>
       </p:sp>
+      <p:sp>
+        <p:nvSpPr>
+          <p:cNvPr id="4" name="Нижний колонтитул 3"/>
+          <p:cNvSpPr>
+            <a:spLocks noGrp="1"/>
+          </p:cNvSpPr>
+          <p:nvPr>
+            <p:ph type="ftr" sz="quarter" idx="11"/>
+          </p:nvPr>
+        </p:nvSpPr>
+        <p:spPr/>
+        <p:txBody>
+          <a:bodyPr/>
+          <a:lstStyle/>
+          <a:p>
+            <a:r>
+              <a:rPr lang="ru-RU" smtClean="0"/>
+              <a:t>Кафедра 24. "Компьютерный практикум по прикладной ядерной физике: Geant4"</a:t>
+            </a:r>
+            <a:endParaRPr lang="ru-RU"/>
+          </a:p>
+        </p:txBody>
+      </p:sp>
+      <p:sp>
+        <p:nvSpPr>
+          <p:cNvPr id="6" name="Номер слайда 5"/>
+          <p:cNvSpPr>
+            <a:spLocks noGrp="1"/>
+          </p:cNvSpPr>
+          <p:nvPr>
+            <p:ph type="sldNum" sz="quarter" idx="12"/>
+          </p:nvPr>
+        </p:nvSpPr>
+        <p:spPr/>
+        <p:txBody>
+          <a:bodyPr/>
+          <a:lstStyle/>
+          <a:p>
+            <a:fld id="{9DED66CF-9493-49B8-B7E5-6D7AD26B7BBE}" type="slidenum">
+              <a:rPr lang="ru-RU" smtClean="0"/>
+              <a:t>6</a:t>
+            </a:fld>
+            <a:endParaRPr lang="ru-RU"/>
+          </a:p>
+        </p:txBody>
+      </p:sp>
       <p:pic>
         <p:nvPicPr>
           <p:cNvPr id="5" name="Рисунок 4"/>
@@ -10534,52 +10568,6 @@
           </a:prstGeom>
         </p:spPr>
       </p:pic>
-      <p:sp>
-        <p:nvSpPr>
-          <p:cNvPr id="4" name="Нижний колонтитул 3"/>
-          <p:cNvSpPr>
-            <a:spLocks noGrp="1"/>
-          </p:cNvSpPr>
-          <p:nvPr>
-            <p:ph type="ftr" sz="quarter" idx="11"/>
-          </p:nvPr>
-        </p:nvSpPr>
-        <p:spPr/>
-        <p:txBody>
-          <a:bodyPr/>
-          <a:lstStyle/>
-          <a:p>
-            <a:r>
-              <a:rPr lang="ru-RU" smtClean="0"/>
-              <a:t>Кафедра 24. "Компьютерный практикум по прикладной ядерной физике: Geant4"</a:t>
-            </a:r>
-            <a:endParaRPr lang="ru-RU"/>
-          </a:p>
-        </p:txBody>
-      </p:sp>
-      <p:sp>
-        <p:nvSpPr>
-          <p:cNvPr id="6" name="Номер слайда 5"/>
-          <p:cNvSpPr>
-            <a:spLocks noGrp="1"/>
-          </p:cNvSpPr>
-          <p:nvPr>
-            <p:ph type="sldNum" sz="quarter" idx="12"/>
-          </p:nvPr>
-        </p:nvSpPr>
-        <p:spPr/>
-        <p:txBody>
-          <a:bodyPr/>
-          <a:lstStyle/>
-          <a:p>
-            <a:fld id="{9DED66CF-9493-49B8-B7E5-6D7AD26B7BBE}" type="slidenum">
-              <a:rPr lang="ru-RU" smtClean="0"/>
-              <a:t>6</a:t>
-            </a:fld>
-            <a:endParaRPr lang="ru-RU"/>
-          </a:p>
-        </p:txBody>
-      </p:sp>
     </p:spTree>
     <p:extLst>
       <p:ext uri="{BB962C8B-B14F-4D97-AF65-F5344CB8AC3E}">
@@ -10723,6 +10711,52 @@
           </a:p>
         </p:txBody>
       </p:sp>
+      <p:sp>
+        <p:nvSpPr>
+          <p:cNvPr id="5" name="Нижний колонтитул 4"/>
+          <p:cNvSpPr>
+            <a:spLocks noGrp="1"/>
+          </p:cNvSpPr>
+          <p:nvPr>
+            <p:ph type="ftr" sz="quarter" idx="11"/>
+          </p:nvPr>
+        </p:nvSpPr>
+        <p:spPr/>
+        <p:txBody>
+          <a:bodyPr/>
+          <a:lstStyle/>
+          <a:p>
+            <a:r>
+              <a:rPr lang="ru-RU" smtClean="0"/>
+              <a:t>Кафедра 24. "Компьютерный практикум по прикладной ядерной физике: Geant4"</a:t>
+            </a:r>
+            <a:endParaRPr lang="ru-RU"/>
+          </a:p>
+        </p:txBody>
+      </p:sp>
+      <p:sp>
+        <p:nvSpPr>
+          <p:cNvPr id="7" name="Номер слайда 6"/>
+          <p:cNvSpPr>
+            <a:spLocks noGrp="1"/>
+          </p:cNvSpPr>
+          <p:nvPr>
+            <p:ph type="sldNum" sz="quarter" idx="12"/>
+          </p:nvPr>
+        </p:nvSpPr>
+        <p:spPr/>
+        <p:txBody>
+          <a:bodyPr/>
+          <a:lstStyle/>
+          <a:p>
+            <a:fld id="{9DED66CF-9493-49B8-B7E5-6D7AD26B7BBE}" type="slidenum">
+              <a:rPr lang="ru-RU" smtClean="0"/>
+              <a:t>7</a:t>
+            </a:fld>
+            <a:endParaRPr lang="ru-RU"/>
+          </a:p>
+        </p:txBody>
+      </p:sp>
       <p:pic>
         <p:nvPicPr>
           <p:cNvPr id="4" name="Рисунок 3"/>
@@ -11050,52 +11084,6 @@
           </a:prstGeom>
         </p:spPr>
       </p:pic>
-      <p:sp>
-        <p:nvSpPr>
-          <p:cNvPr id="5" name="Нижний колонтитул 4"/>
-          <p:cNvSpPr>
-            <a:spLocks noGrp="1"/>
-          </p:cNvSpPr>
-          <p:nvPr>
-            <p:ph type="ftr" sz="quarter" idx="11"/>
-          </p:nvPr>
-        </p:nvSpPr>
-        <p:spPr/>
-        <p:txBody>
-          <a:bodyPr/>
-          <a:lstStyle/>
-          <a:p>
-            <a:r>
-              <a:rPr lang="ru-RU" smtClean="0"/>
-              <a:t>Кафедра 24. "Компьютерный практикум по прикладной ядерной физике: Geant4"</a:t>
-            </a:r>
-            <a:endParaRPr lang="ru-RU"/>
-          </a:p>
-        </p:txBody>
-      </p:sp>
-      <p:sp>
-        <p:nvSpPr>
-          <p:cNvPr id="7" name="Номер слайда 6"/>
-          <p:cNvSpPr>
-            <a:spLocks noGrp="1"/>
-          </p:cNvSpPr>
-          <p:nvPr>
-            <p:ph type="sldNum" sz="quarter" idx="12"/>
-          </p:nvPr>
-        </p:nvSpPr>
-        <p:spPr/>
-        <p:txBody>
-          <a:bodyPr/>
-          <a:lstStyle/>
-          <a:p>
-            <a:fld id="{9DED66CF-9493-49B8-B7E5-6D7AD26B7BBE}" type="slidenum">
-              <a:rPr lang="ru-RU" smtClean="0"/>
-              <a:t>7</a:t>
-            </a:fld>
-            <a:endParaRPr lang="ru-RU"/>
-          </a:p>
-        </p:txBody>
-      </p:sp>
     </p:spTree>
     <p:extLst>
       <p:ext uri="{BB962C8B-B14F-4D97-AF65-F5344CB8AC3E}">
@@ -11240,6 +11228,52 @@
               <a:t>поле:</a:t>
             </a:r>
             <a:endParaRPr lang="ru-RU" dirty="0"/>
+          </a:p>
+        </p:txBody>
+      </p:sp>
+      <p:sp>
+        <p:nvSpPr>
+          <p:cNvPr id="4" name="Нижний колонтитул 3"/>
+          <p:cNvSpPr>
+            <a:spLocks noGrp="1"/>
+          </p:cNvSpPr>
+          <p:nvPr>
+            <p:ph type="ftr" sz="quarter" idx="11"/>
+          </p:nvPr>
+        </p:nvSpPr>
+        <p:spPr/>
+        <p:txBody>
+          <a:bodyPr/>
+          <a:lstStyle/>
+          <a:p>
+            <a:r>
+              <a:rPr lang="ru-RU" smtClean="0"/>
+              <a:t>Кафедра 24. "Компьютерный практикум по прикладной ядерной физике: Geant4"</a:t>
+            </a:r>
+            <a:endParaRPr lang="ru-RU"/>
+          </a:p>
+        </p:txBody>
+      </p:sp>
+      <p:sp>
+        <p:nvSpPr>
+          <p:cNvPr id="5" name="Номер слайда 4"/>
+          <p:cNvSpPr>
+            <a:spLocks noGrp="1"/>
+          </p:cNvSpPr>
+          <p:nvPr>
+            <p:ph type="sldNum" sz="quarter" idx="12"/>
+          </p:nvPr>
+        </p:nvSpPr>
+        <p:spPr/>
+        <p:txBody>
+          <a:bodyPr/>
+          <a:lstStyle/>
+          <a:p>
+            <a:fld id="{9DED66CF-9493-49B8-B7E5-6D7AD26B7BBE}" type="slidenum">
+              <a:rPr lang="ru-RU" smtClean="0"/>
+              <a:t>8</a:t>
+            </a:fld>
+            <a:endParaRPr lang="ru-RU"/>
           </a:p>
         </p:txBody>
       </p:sp>
@@ -11570,52 +11604,6 @@
           </a:prstGeom>
         </p:spPr>
       </p:pic>
-      <p:sp>
-        <p:nvSpPr>
-          <p:cNvPr id="4" name="Нижний колонтитул 3"/>
-          <p:cNvSpPr>
-            <a:spLocks noGrp="1"/>
-          </p:cNvSpPr>
-          <p:nvPr>
-            <p:ph type="ftr" sz="quarter" idx="11"/>
-          </p:nvPr>
-        </p:nvSpPr>
-        <p:spPr/>
-        <p:txBody>
-          <a:bodyPr/>
-          <a:lstStyle/>
-          <a:p>
-            <a:r>
-              <a:rPr lang="ru-RU" smtClean="0"/>
-              <a:t>Кафедра 24. "Компьютерный практикум по прикладной ядерной физике: Geant4"</a:t>
-            </a:r>
-            <a:endParaRPr lang="ru-RU"/>
-          </a:p>
-        </p:txBody>
-      </p:sp>
-      <p:sp>
-        <p:nvSpPr>
-          <p:cNvPr id="5" name="Номер слайда 4"/>
-          <p:cNvSpPr>
-            <a:spLocks noGrp="1"/>
-          </p:cNvSpPr>
-          <p:nvPr>
-            <p:ph type="sldNum" sz="quarter" idx="12"/>
-          </p:nvPr>
-        </p:nvSpPr>
-        <p:spPr/>
-        <p:txBody>
-          <a:bodyPr/>
-          <a:lstStyle/>
-          <a:p>
-            <a:fld id="{9DED66CF-9493-49B8-B7E5-6D7AD26B7BBE}" type="slidenum">
-              <a:rPr lang="ru-RU" smtClean="0"/>
-              <a:t>8</a:t>
-            </a:fld>
-            <a:endParaRPr lang="ru-RU"/>
-          </a:p>
-        </p:txBody>
-      </p:sp>
     </p:spTree>
     <p:extLst>
       <p:ext uri="{BB962C8B-B14F-4D97-AF65-F5344CB8AC3E}">
@@ -11755,6 +11743,52 @@
           </a:p>
         </p:txBody>
       </p:sp>
+      <p:sp>
+        <p:nvSpPr>
+          <p:cNvPr id="4" name="Нижний колонтитул 3"/>
+          <p:cNvSpPr>
+            <a:spLocks noGrp="1"/>
+          </p:cNvSpPr>
+          <p:nvPr>
+            <p:ph type="ftr" sz="quarter" idx="11"/>
+          </p:nvPr>
+        </p:nvSpPr>
+        <p:spPr/>
+        <p:txBody>
+          <a:bodyPr/>
+          <a:lstStyle/>
+          <a:p>
+            <a:r>
+              <a:rPr lang="ru-RU" smtClean="0"/>
+              <a:t>Кафедра 24. "Компьютерный практикум по прикладной ядерной физике: Geant4"</a:t>
+            </a:r>
+            <a:endParaRPr lang="ru-RU"/>
+          </a:p>
+        </p:txBody>
+      </p:sp>
+      <p:sp>
+        <p:nvSpPr>
+          <p:cNvPr id="6" name="Номер слайда 5"/>
+          <p:cNvSpPr>
+            <a:spLocks noGrp="1"/>
+          </p:cNvSpPr>
+          <p:nvPr>
+            <p:ph type="sldNum" sz="quarter" idx="12"/>
+          </p:nvPr>
+        </p:nvSpPr>
+        <p:spPr/>
+        <p:txBody>
+          <a:bodyPr/>
+          <a:lstStyle/>
+          <a:p>
+            <a:fld id="{9DED66CF-9493-49B8-B7E5-6D7AD26B7BBE}" type="slidenum">
+              <a:rPr lang="ru-RU" smtClean="0"/>
+              <a:t>9</a:t>
+            </a:fld>
+            <a:endParaRPr lang="ru-RU"/>
+          </a:p>
+        </p:txBody>
+      </p:sp>
       <p:pic>
         <p:nvPicPr>
           <p:cNvPr id="5" name="Рисунок 4"/>
@@ -11779,52 +11813,6 @@
           </a:prstGeom>
         </p:spPr>
       </p:pic>
-      <p:sp>
-        <p:nvSpPr>
-          <p:cNvPr id="4" name="Нижний колонтитул 3"/>
-          <p:cNvSpPr>
-            <a:spLocks noGrp="1"/>
-          </p:cNvSpPr>
-          <p:nvPr>
-            <p:ph type="ftr" sz="quarter" idx="11"/>
-          </p:nvPr>
-        </p:nvSpPr>
-        <p:spPr/>
-        <p:txBody>
-          <a:bodyPr/>
-          <a:lstStyle/>
-          <a:p>
-            <a:r>
-              <a:rPr lang="ru-RU" smtClean="0"/>
-              <a:t>Кафедра 24. "Компьютерный практикум по прикладной ядерной физике: Geant4"</a:t>
-            </a:r>
-            <a:endParaRPr lang="ru-RU"/>
-          </a:p>
-        </p:txBody>
-      </p:sp>
-      <p:sp>
-        <p:nvSpPr>
-          <p:cNvPr id="6" name="Номер слайда 5"/>
-          <p:cNvSpPr>
-            <a:spLocks noGrp="1"/>
-          </p:cNvSpPr>
-          <p:nvPr>
-            <p:ph type="sldNum" sz="quarter" idx="12"/>
-          </p:nvPr>
-        </p:nvSpPr>
-        <p:spPr/>
-        <p:txBody>
-          <a:bodyPr/>
-          <a:lstStyle/>
-          <a:p>
-            <a:fld id="{9DED66CF-9493-49B8-B7E5-6D7AD26B7BBE}" type="slidenum">
-              <a:rPr lang="ru-RU" smtClean="0"/>
-              <a:t>9</a:t>
-            </a:fld>
-            <a:endParaRPr lang="ru-RU"/>
-          </a:p>
-        </p:txBody>
-      </p:sp>
     </p:spTree>
     <p:extLst>
       <p:ext uri="{BB962C8B-B14F-4D97-AF65-F5344CB8AC3E}">
@@ -11846,7 +11834,7 @@
 </file>
 
 <file path=ppt/theme/theme1.xml><?xml version="1.0" encoding="utf-8"?>
-<a:theme xmlns:a="http://schemas.openxmlformats.org/drawingml/2006/main" name="Тема2">
+<a:theme xmlns:a="http://schemas.openxmlformats.org/drawingml/2006/main" name="Тема1">
   <a:themeElements>
     <a:clrScheme name="Зеленый и желтый">
       <a:dk1>
@@ -12122,7 +12110,7 @@
   <a:extraClrSchemeLst/>
   <a:extLst>
     <a:ext uri="{05A4C25C-085E-4340-85A3-A5531E510DB2}">
-      <thm15:themeFamily xmlns:thm15="http://schemas.microsoft.com/office/thememl/2012/main" name="Тема2" id="{F6853AF9-8BEF-47B7-BFEA-1EB0A7F5E420}" vid="{7B47C7A1-DDBD-44DB-B5FC-9345D842DEB1}"/>
+      <thm15:themeFamily xmlns:thm15="http://schemas.microsoft.com/office/thememl/2012/main" name="Тема1" id="{5BB4979D-64F3-4350-A0FB-77B4AA112ABA}" vid="{9ECF0165-2A38-4AFC-8A84-C27FBD5E703B}"/>
     </a:ext>
   </a:extLst>
 </a:theme>
